--- a/刘卓中期报告.pptx
+++ b/刘卓中期报告.pptx
@@ -20,7 +20,8 @@
     <p:sldId id="278" r:id="rId14"/>
     <p:sldId id="277" r:id="rId15"/>
     <p:sldId id="279" r:id="rId16"/>
-    <p:sldId id="267" r:id="rId17"/>
+    <p:sldId id="280" r:id="rId17"/>
+    <p:sldId id="267" r:id="rId18"/>
   </p:sldIdLst>
   <p:sldSz cx="12192000" cy="6858000"/>
   <p:notesSz cx="6858000" cy="9144000"/>
@@ -258,7 +259,7 @@
           <a:p>
             <a:fld id="{8181CF6F-4F15-405C-B7F2-7C5097DD152A}" type="datetimeFigureOut">
               <a:rPr lang="zh-CN" altLang="en-US" smtClean="0"/>
-              <a:t>2016/10/5</a:t>
+              <a:t>2016/10/6</a:t>
             </a:fld>
             <a:endParaRPr lang="zh-CN" altLang="en-US"/>
           </a:p>
@@ -428,7 +429,7 @@
           <a:p>
             <a:fld id="{8181CF6F-4F15-405C-B7F2-7C5097DD152A}" type="datetimeFigureOut">
               <a:rPr lang="zh-CN" altLang="en-US" smtClean="0"/>
-              <a:t>2016/10/5</a:t>
+              <a:t>2016/10/6</a:t>
             </a:fld>
             <a:endParaRPr lang="zh-CN" altLang="en-US"/>
           </a:p>
@@ -608,7 +609,7 @@
           <a:p>
             <a:fld id="{8181CF6F-4F15-405C-B7F2-7C5097DD152A}" type="datetimeFigureOut">
               <a:rPr lang="zh-CN" altLang="en-US" smtClean="0"/>
-              <a:t>2016/10/5</a:t>
+              <a:t>2016/10/6</a:t>
             </a:fld>
             <a:endParaRPr lang="zh-CN" altLang="en-US"/>
           </a:p>
@@ -778,7 +779,7 @@
           <a:p>
             <a:fld id="{8181CF6F-4F15-405C-B7F2-7C5097DD152A}" type="datetimeFigureOut">
               <a:rPr lang="zh-CN" altLang="en-US" smtClean="0"/>
-              <a:t>2016/10/5</a:t>
+              <a:t>2016/10/6</a:t>
             </a:fld>
             <a:endParaRPr lang="zh-CN" altLang="en-US"/>
           </a:p>
@@ -1024,7 +1025,7 @@
           <a:p>
             <a:fld id="{8181CF6F-4F15-405C-B7F2-7C5097DD152A}" type="datetimeFigureOut">
               <a:rPr lang="zh-CN" altLang="en-US" smtClean="0"/>
-              <a:t>2016/10/5</a:t>
+              <a:t>2016/10/6</a:t>
             </a:fld>
             <a:endParaRPr lang="zh-CN" altLang="en-US"/>
           </a:p>
@@ -1256,7 +1257,7 @@
           <a:p>
             <a:fld id="{8181CF6F-4F15-405C-B7F2-7C5097DD152A}" type="datetimeFigureOut">
               <a:rPr lang="zh-CN" altLang="en-US" smtClean="0"/>
-              <a:t>2016/10/5</a:t>
+              <a:t>2016/10/6</a:t>
             </a:fld>
             <a:endParaRPr lang="zh-CN" altLang="en-US"/>
           </a:p>
@@ -1623,7 +1624,7 @@
           <a:p>
             <a:fld id="{8181CF6F-4F15-405C-B7F2-7C5097DD152A}" type="datetimeFigureOut">
               <a:rPr lang="zh-CN" altLang="en-US" smtClean="0"/>
-              <a:t>2016/10/5</a:t>
+              <a:t>2016/10/6</a:t>
             </a:fld>
             <a:endParaRPr lang="zh-CN" altLang="en-US"/>
           </a:p>
@@ -1741,7 +1742,7 @@
           <a:p>
             <a:fld id="{8181CF6F-4F15-405C-B7F2-7C5097DD152A}" type="datetimeFigureOut">
               <a:rPr lang="zh-CN" altLang="en-US" smtClean="0"/>
-              <a:t>2016/10/5</a:t>
+              <a:t>2016/10/6</a:t>
             </a:fld>
             <a:endParaRPr lang="zh-CN" altLang="en-US"/>
           </a:p>
@@ -1836,7 +1837,7 @@
           <a:p>
             <a:fld id="{8181CF6F-4F15-405C-B7F2-7C5097DD152A}" type="datetimeFigureOut">
               <a:rPr lang="zh-CN" altLang="en-US" smtClean="0"/>
-              <a:t>2016/10/5</a:t>
+              <a:t>2016/10/6</a:t>
             </a:fld>
             <a:endParaRPr lang="zh-CN" altLang="en-US"/>
           </a:p>
@@ -2113,7 +2114,7 @@
           <a:p>
             <a:fld id="{8181CF6F-4F15-405C-B7F2-7C5097DD152A}" type="datetimeFigureOut">
               <a:rPr lang="zh-CN" altLang="en-US" smtClean="0"/>
-              <a:t>2016/10/5</a:t>
+              <a:t>2016/10/6</a:t>
             </a:fld>
             <a:endParaRPr lang="zh-CN" altLang="en-US"/>
           </a:p>
@@ -2366,7 +2367,7 @@
           <a:p>
             <a:fld id="{8181CF6F-4F15-405C-B7F2-7C5097DD152A}" type="datetimeFigureOut">
               <a:rPr lang="zh-CN" altLang="en-US" smtClean="0"/>
-              <a:t>2016/10/5</a:t>
+              <a:t>2016/10/6</a:t>
             </a:fld>
             <a:endParaRPr lang="zh-CN" altLang="en-US"/>
           </a:p>
@@ -2579,7 +2580,7 @@
           <a:p>
             <a:fld id="{8181CF6F-4F15-405C-B7F2-7C5097DD152A}" type="datetimeFigureOut">
               <a:rPr lang="zh-CN" altLang="en-US" smtClean="0"/>
-              <a:t>2016/10/5</a:t>
+              <a:t>2016/10/6</a:t>
             </a:fld>
             <a:endParaRPr lang="zh-CN" altLang="en-US"/>
           </a:p>
@@ -3109,7 +3110,12 @@
             <p:ph type="title"/>
           </p:nvPr>
         </p:nvSpPr>
-        <p:spPr/>
+        <p:spPr>
+          <a:xfrm>
+            <a:off x="838200" y="365125"/>
+            <a:ext cx="10515600" cy="1022241"/>
+          </a:xfrm>
+        </p:spPr>
         <p:txBody>
           <a:bodyPr>
             <a:normAutofit/>
@@ -3134,7 +3140,12 @@
             <p:ph idx="1"/>
           </p:nvPr>
         </p:nvSpPr>
-        <p:spPr/>
+        <p:spPr>
+          <a:xfrm>
+            <a:off x="838200" y="1387366"/>
+            <a:ext cx="10515600" cy="4789597"/>
+          </a:xfrm>
+        </p:spPr>
         <p:txBody>
           <a:bodyPr/>
           <a:lstStyle/>
@@ -3163,7 +3174,7 @@
         </p:blipFill>
         <p:spPr>
           <a:xfrm>
-            <a:off x="1001486" y="2270753"/>
+            <a:off x="1138120" y="1955443"/>
             <a:ext cx="9187543" cy="4463372"/>
           </a:xfrm>
           <a:prstGeom prst="rect">
@@ -3378,11 +3389,7 @@
             <a:pPr lvl="1"/>
             <a:r>
               <a:rPr lang="zh-CN" altLang="en-US" dirty="0" smtClean="0"/>
-              <a:t>提供与教室设备远程连接的功能，能够实时地获取远程教室的详细信息为管理者使用者提供更加逼真的使用体验</a:t>
-            </a:r>
-            <a:r>
-              <a:rPr lang="zh-CN" altLang="en-US" dirty="0" smtClean="0"/>
-              <a:t>。</a:t>
+              <a:t>提供与教室设备远程连接的功能，能够实时地获取远程教室的详细信息为管理者使用者提供更加逼真的使用体验。</a:t>
             </a:r>
             <a:endParaRPr lang="en-US" altLang="zh-CN" dirty="0" smtClean="0"/>
           </a:p>
@@ -3836,8 +3843,8 @@
         </p:blipFill>
         <p:spPr>
           <a:xfrm>
-            <a:off x="4301321" y="1092017"/>
-            <a:ext cx="6689607" cy="5422901"/>
+            <a:off x="5096188" y="1289842"/>
+            <a:ext cx="6336175" cy="5422901"/>
           </a:xfrm>
           <a:prstGeom prst="rect">
             <a:avLst/>
@@ -3865,6 +3872,116 @@
 </file>
 
 <file path=ppt/slides/slide16.xml><?xml version="1.0" encoding="utf-8"?>
+<p:sld xmlns:a="http://schemas.openxmlformats.org/drawingml/2006/main" xmlns:r="http://schemas.openxmlformats.org/officeDocument/2006/relationships" xmlns:p="http://schemas.openxmlformats.org/presentationml/2006/main">
+  <p:cSld>
+    <p:spTree>
+      <p:nvGrpSpPr>
+        <p:cNvPr id="1" name=""/>
+        <p:cNvGrpSpPr/>
+        <p:nvPr/>
+      </p:nvGrpSpPr>
+      <p:grpSpPr>
+        <a:xfrm>
+          <a:off x="0" y="0"/>
+          <a:ext cx="0" cy="0"/>
+          <a:chOff x="0" y="0"/>
+          <a:chExt cx="0" cy="0"/>
+        </a:xfrm>
+      </p:grpSpPr>
+      <p:sp>
+        <p:nvSpPr>
+          <p:cNvPr id="2" name="标题 1"/>
+          <p:cNvSpPr>
+            <a:spLocks noGrp="1"/>
+          </p:cNvSpPr>
+          <p:nvPr>
+            <p:ph type="title"/>
+          </p:nvPr>
+        </p:nvSpPr>
+        <p:spPr/>
+        <p:txBody>
+          <a:bodyPr/>
+          <a:lstStyle/>
+          <a:p>
+            <a:r>
+              <a:rPr lang="zh-CN" altLang="en-US" dirty="0"/>
+              <a:t>后续</a:t>
+            </a:r>
+            <a:r>
+              <a:rPr lang="zh-CN" altLang="en-US" dirty="0" smtClean="0"/>
+              <a:t>工作设想</a:t>
+            </a:r>
+            <a:endParaRPr lang="zh-CN" altLang="en-US" dirty="0"/>
+          </a:p>
+        </p:txBody>
+      </p:sp>
+      <p:sp>
+        <p:nvSpPr>
+          <p:cNvPr id="8" name="内容占位符 7"/>
+          <p:cNvSpPr>
+            <a:spLocks noGrp="1"/>
+          </p:cNvSpPr>
+          <p:nvPr>
+            <p:ph idx="1"/>
+          </p:nvPr>
+        </p:nvSpPr>
+        <p:spPr>
+          <a:xfrm>
+            <a:off x="838200" y="1690688"/>
+            <a:ext cx="10515600" cy="4351338"/>
+          </a:xfrm>
+        </p:spPr>
+        <p:txBody>
+          <a:bodyPr/>
+          <a:lstStyle/>
+          <a:p>
+            <a:r>
+              <a:rPr lang="zh-CN" altLang="en-US" dirty="0" smtClean="0"/>
+              <a:t>完善远程控制模块</a:t>
+            </a:r>
+            <a:endParaRPr lang="en-US" altLang="zh-CN" dirty="0" smtClean="0"/>
+          </a:p>
+          <a:p>
+            <a:r>
+              <a:rPr lang="zh-CN" altLang="zh-CN" dirty="0"/>
+              <a:t>对项目进行测试部署</a:t>
+            </a:r>
+            <a:endParaRPr lang="en-US" altLang="zh-CN" dirty="0"/>
+          </a:p>
+          <a:p>
+            <a:r>
+              <a:rPr lang="zh-CN" altLang="zh-CN" dirty="0"/>
+              <a:t>对系统的瓶颈部分进行调</a:t>
+            </a:r>
+            <a:r>
+              <a:rPr lang="zh-CN" altLang="zh-CN" dirty="0" smtClean="0"/>
+              <a:t>优</a:t>
+            </a:r>
+            <a:endParaRPr lang="zh-CN" altLang="en-US" dirty="0" smtClean="0"/>
+          </a:p>
+        </p:txBody>
+      </p:sp>
+    </p:spTree>
+    <p:extLst>
+      <p:ext uri="{BB962C8B-B14F-4D97-AF65-F5344CB8AC3E}">
+        <p14:creationId xmlns:p14="http://schemas.microsoft.com/office/powerpoint/2010/main" val="1818673928"/>
+      </p:ext>
+    </p:extLst>
+  </p:cSld>
+  <p:clrMapOvr>
+    <a:masterClrMapping/>
+  </p:clrMapOvr>
+  <p:timing>
+    <p:tnLst>
+      <p:par>
+        <p:cTn id="1" dur="indefinite" restart="never" nodeType="tmRoot"/>
+      </p:par>
+    </p:tnLst>
+  </p:timing>
+</p:sld>
+</file>
+
+<file path=ppt/slides/slide17.xml><?xml version="1.0" encoding="utf-8"?>
 <p:sld xmlns:a="http://schemas.openxmlformats.org/drawingml/2006/main" xmlns:r="http://schemas.openxmlformats.org/officeDocument/2006/relationships" xmlns:p="http://schemas.openxmlformats.org/presentationml/2006/main">
   <p:cSld>
     <p:spTree>
@@ -4648,7 +4765,6 @@
               <a:rPr lang="zh-CN" altLang="en-US" sz="4000" dirty="0"/>
               <a:t>研究方案</a:t>
             </a:r>
-            <a:endParaRPr lang="zh-CN" altLang="en-US" sz="4000" dirty="0"/>
           </a:p>
         </p:txBody>
       </p:sp>
@@ -4808,8 +4924,8 @@
           <a:lstStyle/>
           <a:p>
             <a:r>
-              <a:rPr lang="zh-CN" altLang="zh-CN" sz="4000" dirty="0"/>
-              <a:t>主要研究内容、研究目标、拟解决的关键问题</a:t>
+              <a:rPr lang="zh-CN" altLang="en-US" sz="4000" dirty="0" smtClean="0"/>
+              <a:t>研究方案</a:t>
             </a:r>
             <a:endParaRPr lang="zh-CN" altLang="en-US" sz="4000" dirty="0"/>
           </a:p>
@@ -5128,11 +5244,7 @@
             <a:pPr lvl="1"/>
             <a:r>
               <a:rPr lang="zh-CN" altLang="en-US" dirty="0" smtClean="0"/>
-              <a:t>主要分为</a:t>
-            </a:r>
-            <a:r>
-              <a:rPr lang="zh-CN" altLang="en-US" dirty="0" smtClean="0"/>
-              <a:t>管理教室管理主页和首页展示</a:t>
+              <a:t>主要分为管理教室管理主页和首页展示</a:t>
             </a:r>
             <a:endParaRPr lang="en-US" altLang="zh-CN" dirty="0" smtClean="0"/>
           </a:p>

--- a/刘卓中期报告.pptx
+++ b/刘卓中期报告.pptx
@@ -7842,7 +7842,7 @@
         </p:blipFill>
         <p:spPr>
           <a:xfrm>
-            <a:off x="838200" y="2131100"/>
+            <a:off x="1291046" y="2131100"/>
             <a:ext cx="9835378" cy="4156085"/>
           </a:xfrm>
           <a:prstGeom prst="rect">
@@ -8179,8 +8179,8 @@
         </p:nvSpPr>
         <p:spPr>
           <a:xfrm>
-            <a:off x="838200" y="1297577"/>
-            <a:ext cx="10515600" cy="4879386"/>
+            <a:off x="838200" y="1320801"/>
+            <a:ext cx="10515600" cy="4856162"/>
           </a:xfrm>
         </p:spPr>
         <p:txBody>
@@ -8203,15 +8203,7 @@
             <a:pPr lvl="1"/>
             <a:r>
               <a:rPr lang="zh-CN" altLang="en-US" sz="2000" dirty="0" smtClean="0"/>
-              <a:t>教室管理按照教学楼管理，教室管理，教室信息管理</a:t>
-            </a:r>
-            <a:r>
-              <a:rPr lang="zh-CN" altLang="en-US" sz="2000" dirty="0" smtClean="0"/>
-              <a:t>，三层管理</a:t>
-            </a:r>
-            <a:r>
-              <a:rPr lang="zh-CN" altLang="en-US" sz="2000" dirty="0" smtClean="0"/>
-              <a:t>结构。</a:t>
+              <a:t>教室管理按照教学楼管理，教室管理，教室信息管理，三层管理结构。</a:t>
             </a:r>
             <a:endParaRPr lang="en-US" altLang="zh-CN" sz="2000" dirty="0" smtClean="0"/>
           </a:p>
@@ -8347,8 +8339,8 @@
         </p:nvSpPr>
         <p:spPr>
           <a:xfrm>
-            <a:off x="838200" y="1297577"/>
-            <a:ext cx="10515600" cy="4879386"/>
+            <a:off x="838200" y="1320801"/>
+            <a:ext cx="10515600" cy="4856162"/>
           </a:xfrm>
         </p:spPr>
         <p:txBody>
@@ -8371,15 +8363,7 @@
             <a:pPr lvl="1"/>
             <a:r>
               <a:rPr lang="zh-CN" altLang="en-US" sz="2000" dirty="0" smtClean="0"/>
-              <a:t>教室管理按照教学楼管理，教室管理，教室信息管理</a:t>
-            </a:r>
-            <a:r>
-              <a:rPr lang="zh-CN" altLang="en-US" sz="2000" dirty="0" smtClean="0"/>
-              <a:t>，三层管理</a:t>
-            </a:r>
-            <a:r>
-              <a:rPr lang="zh-CN" altLang="en-US" sz="2000" dirty="0" smtClean="0"/>
-              <a:t>结构。</a:t>
+              <a:t>教室管理按照教学楼管理，教室管理，教室信息管理，三层管理结构。</a:t>
             </a:r>
             <a:endParaRPr lang="en-US" altLang="zh-CN" sz="2000" dirty="0" smtClean="0"/>
           </a:p>
@@ -8515,8 +8499,8 @@
         </p:nvSpPr>
         <p:spPr>
           <a:xfrm>
-            <a:off x="838200" y="1297577"/>
-            <a:ext cx="10515600" cy="4879386"/>
+            <a:off x="838200" y="1320801"/>
+            <a:ext cx="10515600" cy="4856162"/>
           </a:xfrm>
         </p:spPr>
         <p:txBody>
@@ -8539,15 +8523,7 @@
             <a:pPr lvl="1"/>
             <a:r>
               <a:rPr lang="zh-CN" altLang="en-US" sz="2000" dirty="0" smtClean="0"/>
-              <a:t>教室管理按照教学楼管理，教室管理，教室信息管理</a:t>
-            </a:r>
-            <a:r>
-              <a:rPr lang="zh-CN" altLang="en-US" sz="2000" dirty="0" smtClean="0"/>
-              <a:t>，三层管理</a:t>
-            </a:r>
-            <a:r>
-              <a:rPr lang="zh-CN" altLang="en-US" sz="2000" dirty="0" smtClean="0"/>
-              <a:t>结构。</a:t>
+              <a:t>教室管理按照教学楼管理，教室管理，教室信息管理，三层管理结构。</a:t>
             </a:r>
             <a:endParaRPr lang="en-US" altLang="zh-CN" sz="2000" dirty="0" smtClean="0"/>
           </a:p>
@@ -8683,8 +8659,8 @@
         </p:nvSpPr>
         <p:spPr>
           <a:xfrm>
-            <a:off x="783771" y="1254035"/>
-            <a:ext cx="10720841" cy="4657188"/>
+            <a:off x="783771" y="1320801"/>
+            <a:ext cx="10720841" cy="4590422"/>
           </a:xfrm>
         </p:spPr>
         <p:txBody>
@@ -8806,8 +8782,8 @@
         </p:nvSpPr>
         <p:spPr>
           <a:xfrm>
-            <a:off x="792480" y="1227909"/>
-            <a:ext cx="10561320" cy="5111615"/>
+            <a:off x="792480" y="1320801"/>
+            <a:ext cx="10561320" cy="5018723"/>
           </a:xfrm>
         </p:spPr>
         <p:txBody>
@@ -8830,15 +8806,7 @@
             <a:pPr lvl="1"/>
             <a:r>
               <a:rPr lang="zh-CN" altLang="en-US" sz="2000" dirty="0" smtClean="0"/>
-              <a:t>主要分为</a:t>
-            </a:r>
-            <a:r>
-              <a:rPr lang="zh-CN" altLang="en-US" sz="2000" dirty="0" smtClean="0"/>
-              <a:t>管理教师管理</a:t>
-            </a:r>
-            <a:r>
-              <a:rPr lang="zh-CN" altLang="en-US" sz="2000" dirty="0" smtClean="0"/>
-              <a:t>主页和首页展示</a:t>
+              <a:t>主要分为管理教师管理主页和首页展示</a:t>
             </a:r>
             <a:endParaRPr lang="en-US" altLang="zh-CN" sz="2000" dirty="0" smtClean="0"/>
           </a:p>
@@ -8864,7 +8832,7 @@
         </p:blipFill>
         <p:spPr>
           <a:xfrm>
-            <a:off x="792480" y="2177144"/>
+            <a:off x="1071154" y="2246813"/>
             <a:ext cx="8671561" cy="4458788"/>
           </a:xfrm>
           <a:prstGeom prst="rect">
@@ -9030,8 +8998,8 @@
         </p:nvSpPr>
         <p:spPr>
           <a:xfrm>
-            <a:off x="818606" y="1291773"/>
-            <a:ext cx="10911840" cy="5372962"/>
+            <a:off x="818606" y="1320801"/>
+            <a:ext cx="10911840" cy="5343934"/>
           </a:xfrm>
         </p:spPr>
         <p:txBody>
@@ -9054,15 +9022,7 @@
             <a:pPr lvl="1"/>
             <a:r>
               <a:rPr lang="zh-CN" altLang="en-US" sz="2000" dirty="0" smtClean="0"/>
-              <a:t>主要分为</a:t>
-            </a:r>
-            <a:r>
-              <a:rPr lang="zh-CN" altLang="en-US" sz="2000" dirty="0" smtClean="0"/>
-              <a:t>管理教师管理</a:t>
-            </a:r>
-            <a:r>
-              <a:rPr lang="zh-CN" altLang="en-US" sz="2000" dirty="0" smtClean="0"/>
-              <a:t>主页和首页展示</a:t>
+              <a:t>主要分为管理教师管理主页和首页展示</a:t>
             </a:r>
             <a:endParaRPr lang="en-US" altLang="zh-CN" sz="2000" dirty="0" smtClean="0"/>
           </a:p>
@@ -9254,8 +9214,8 @@
         </p:nvSpPr>
         <p:spPr>
           <a:xfrm>
-            <a:off x="838200" y="1387366"/>
-            <a:ext cx="10515600" cy="4789597"/>
+            <a:off x="838200" y="1320802"/>
+            <a:ext cx="10515600" cy="4856162"/>
           </a:xfrm>
         </p:spPr>
         <p:txBody>
@@ -9288,7 +9248,7 @@
         </p:blipFill>
         <p:spPr>
           <a:xfrm>
-            <a:off x="838200" y="2068654"/>
+            <a:off x="1691640" y="2042528"/>
             <a:ext cx="9187543" cy="4463372"/>
           </a:xfrm>
           <a:prstGeom prst="rect">
@@ -9377,8 +9337,8 @@
         </p:nvSpPr>
         <p:spPr>
           <a:xfrm>
-            <a:off x="838200" y="1825625"/>
-            <a:ext cx="3968932" cy="4351338"/>
+            <a:off x="838200" y="1320801"/>
+            <a:ext cx="3968932" cy="4856162"/>
           </a:xfrm>
         </p:spPr>
         <p:txBody>
@@ -9392,6 +9352,9 @@
             <a:endParaRPr lang="en-US" altLang="zh-CN" sz="2600" dirty="0"/>
           </a:p>
           <a:p>
+            <a:pPr marL="0" indent="0">
+              <a:buNone/>
+            </a:pPr>
             <a:endParaRPr lang="zh-CN" altLang="en-US" dirty="0"/>
           </a:p>
         </p:txBody>
@@ -9714,11 +9677,7 @@
             </a:r>
             <a:r>
               <a:rPr lang="zh-CN" altLang="en-US" sz="2600" dirty="0" smtClean="0"/>
-              <a:t>项目</a:t>
-            </a:r>
-            <a:r>
-              <a:rPr lang="zh-CN" altLang="en-US" sz="2600" dirty="0" smtClean="0"/>
-              <a:t>背景</a:t>
+              <a:t>项目背景</a:t>
             </a:r>
             <a:endParaRPr lang="en-US" altLang="zh-CN" sz="2600" dirty="0" smtClean="0"/>
           </a:p>
@@ -10650,7 +10609,15 @@
           <a:p>
             <a:r>
               <a:rPr lang="zh-CN" altLang="zh-CN" sz="2600" dirty="0"/>
-              <a:t>对项目进行测试部署</a:t>
+              <a:t>对</a:t>
+            </a:r>
+            <a:r>
+              <a:rPr lang="zh-CN" altLang="zh-CN" sz="2600" dirty="0" smtClean="0"/>
+              <a:t>项目</a:t>
+            </a:r>
+            <a:r>
+              <a:rPr lang="zh-CN" altLang="en-US" sz="2600" dirty="0" smtClean="0"/>
+              <a:t>进行测试</a:t>
             </a:r>
             <a:endParaRPr lang="en-US" altLang="zh-CN" sz="2600" dirty="0"/>
           </a:p>
@@ -11006,8 +10973,8 @@
         </p:nvSpPr>
         <p:spPr>
           <a:xfrm>
-            <a:off x="1204549" y="1720339"/>
-            <a:ext cx="8915400" cy="3777622"/>
+            <a:off x="1204549" y="1302328"/>
+            <a:ext cx="8915400" cy="4195633"/>
           </a:xfrm>
         </p:spPr>
         <p:txBody>
@@ -11022,11 +10989,7 @@
             </a:r>
             <a:r>
               <a:rPr lang="zh-CN" altLang="en-US" sz="2600" dirty="0" smtClean="0"/>
-              <a:t>各高校迫切地提高</a:t>
-            </a:r>
-            <a:r>
-              <a:rPr lang="zh-CN" altLang="en-US" sz="2600" dirty="0" smtClean="0"/>
-              <a:t>多媒体教室管理的</a:t>
+              <a:t>各高校迫切地提高多媒体教室管理的</a:t>
             </a:r>
             <a:r>
               <a:rPr lang="zh-CN" altLang="zh-CN" sz="2600" dirty="0" smtClean="0"/>
@@ -11201,8 +11164,8 @@
         </p:nvSpPr>
         <p:spPr>
           <a:xfrm>
-            <a:off x="1187132" y="1520042"/>
-            <a:ext cx="8915400" cy="3777622"/>
+            <a:off x="1187132" y="1302328"/>
+            <a:ext cx="8915400" cy="3995336"/>
           </a:xfrm>
         </p:spPr>
         <p:txBody>
@@ -11212,14 +11175,14 @@
           <a:lstStyle/>
           <a:p>
             <a:r>
-              <a:rPr lang="zh-CN" altLang="zh-CN" sz="2400" dirty="0" smtClean="0"/>
+              <a:rPr lang="zh-CN" altLang="zh-CN" sz="2600" dirty="0" smtClean="0"/>
               <a:t>国外</a:t>
             </a:r>
             <a:r>
-              <a:rPr lang="zh-CN" altLang="en-US" sz="2400" dirty="0" smtClean="0"/>
+              <a:rPr lang="zh-CN" altLang="en-US" sz="2600" dirty="0" smtClean="0"/>
               <a:t>现状</a:t>
             </a:r>
-            <a:endParaRPr lang="en-US" altLang="zh-CN" sz="2400" dirty="0" smtClean="0"/>
+            <a:endParaRPr lang="en-US" altLang="zh-CN" sz="2600" dirty="0" smtClean="0"/>
           </a:p>
           <a:p>
             <a:pPr lvl="1"/>
@@ -11231,10 +11194,10 @@
           </a:p>
           <a:p>
             <a:r>
-              <a:rPr lang="zh-CN" altLang="en-US" sz="2400" dirty="0" smtClean="0"/>
+              <a:rPr lang="zh-CN" altLang="en-US" sz="2600" dirty="0" smtClean="0"/>
               <a:t>国内现状</a:t>
             </a:r>
-            <a:endParaRPr lang="en-US" altLang="zh-CN" sz="2400" dirty="0" smtClean="0"/>
+            <a:endParaRPr lang="en-US" altLang="zh-CN" sz="2600" dirty="0" smtClean="0"/>
           </a:p>
           <a:p>
             <a:pPr lvl="1"/>
@@ -12000,15 +11963,7 @@
           <a:p>
             <a:r>
               <a:rPr lang="zh-CN" altLang="zh-CN" sz="2600" dirty="0"/>
-              <a:t>人员</a:t>
-            </a:r>
-            <a:r>
-              <a:rPr lang="zh-CN" altLang="zh-CN" sz="2600" dirty="0"/>
-              <a:t>管理</a:t>
-            </a:r>
-            <a:r>
-              <a:rPr lang="zh-CN" altLang="zh-CN" sz="2600" dirty="0"/>
-              <a:t>模块</a:t>
+              <a:t>人员管理模块</a:t>
             </a:r>
             <a:endParaRPr lang="en-US" altLang="zh-CN" sz="2600" dirty="0"/>
           </a:p>
@@ -12016,11 +11971,7 @@
             <a:pPr lvl="1"/>
             <a:r>
               <a:rPr lang="zh-CN" altLang="zh-CN" sz="2000" dirty="0"/>
-              <a:t>本</a:t>
-            </a:r>
-            <a:r>
-              <a:rPr lang="zh-CN" altLang="zh-CN" sz="2000" dirty="0"/>
-              <a:t>模块包括管理教师、在职学生两种用户。实现了个人信息管理、管理教师账号生成、学生值班管理、学生考试管理、学生签到管理、学生注册请求管理等多种功能。</a:t>
+              <a:t>本模块包括管理教师、在职学生两种用户。实现了个人信息管理、管理教师账号生成、学生值班管理、学生考试管理、学生签到管理、学生注册请求管理等多种功能。</a:t>
             </a:r>
             <a:endParaRPr lang="en-US" altLang="zh-CN" sz="2000" dirty="0"/>
           </a:p>

--- a/刘卓中期报告.pptx
+++ b/刘卓中期报告.pptx
@@ -325,7 +325,7 @@
           <a:p>
             <a:fld id="{8181CF6F-4F15-405C-B7F2-7C5097DD152A}" type="datetimeFigureOut">
               <a:rPr lang="zh-CN" altLang="en-US" smtClean="0"/>
-              <a:t>2016/10/6</a:t>
+              <a:t>2016/10/7</a:t>
             </a:fld>
             <a:endParaRPr lang="zh-CN" altLang="en-US"/>
           </a:p>
@@ -663,7 +663,7 @@
           <a:p>
             <a:fld id="{8181CF6F-4F15-405C-B7F2-7C5097DD152A}" type="datetimeFigureOut">
               <a:rPr lang="zh-CN" altLang="en-US" smtClean="0"/>
-              <a:t>2016/10/6</a:t>
+              <a:t>2016/10/7</a:t>
             </a:fld>
             <a:endParaRPr lang="zh-CN" altLang="en-US"/>
           </a:p>
@@ -1064,7 +1064,7 @@
           <a:p>
             <a:fld id="{8181CF6F-4F15-405C-B7F2-7C5097DD152A}" type="datetimeFigureOut">
               <a:rPr lang="zh-CN" altLang="en-US" smtClean="0"/>
-              <a:t>2016/10/6</a:t>
+              <a:t>2016/10/7</a:t>
             </a:fld>
             <a:endParaRPr lang="zh-CN" altLang="en-US"/>
           </a:p>
@@ -1400,7 +1400,7 @@
           <a:p>
             <a:fld id="{8181CF6F-4F15-405C-B7F2-7C5097DD152A}" type="datetimeFigureOut">
               <a:rPr lang="zh-CN" altLang="en-US" smtClean="0"/>
-              <a:t>2016/10/6</a:t>
+              <a:t>2016/10/7</a:t>
             </a:fld>
             <a:endParaRPr lang="zh-CN" altLang="en-US"/>
           </a:p>
@@ -1720,7 +1720,7 @@
           <a:p>
             <a:fld id="{8181CF6F-4F15-405C-B7F2-7C5097DD152A}" type="datetimeFigureOut">
               <a:rPr lang="zh-CN" altLang="en-US" smtClean="0"/>
-              <a:t>2016/10/6</a:t>
+              <a:t>2016/10/7</a:t>
             </a:fld>
             <a:endParaRPr lang="zh-CN" altLang="en-US"/>
           </a:p>
@@ -2116,7 +2116,7 @@
           <a:p>
             <a:fld id="{8181CF6F-4F15-405C-B7F2-7C5097DD152A}" type="datetimeFigureOut">
               <a:rPr lang="zh-CN" altLang="en-US" smtClean="0"/>
-              <a:t>2016/10/6</a:t>
+              <a:t>2016/10/7</a:t>
             </a:fld>
             <a:endParaRPr lang="zh-CN" altLang="en-US"/>
           </a:p>
@@ -2373,7 +2373,7 @@
           <a:p>
             <a:fld id="{8181CF6F-4F15-405C-B7F2-7C5097DD152A}" type="datetimeFigureOut">
               <a:rPr lang="zh-CN" altLang="en-US" smtClean="0"/>
-              <a:t>2016/10/6</a:t>
+              <a:t>2016/10/7</a:t>
             </a:fld>
             <a:endParaRPr lang="zh-CN" altLang="en-US"/>
           </a:p>
@@ -2635,7 +2635,7 @@
           <a:p>
             <a:fld id="{8181CF6F-4F15-405C-B7F2-7C5097DD152A}" type="datetimeFigureOut">
               <a:rPr lang="zh-CN" altLang="en-US" smtClean="0"/>
-              <a:t>2016/10/6</a:t>
+              <a:t>2016/10/7</a:t>
             </a:fld>
             <a:endParaRPr lang="zh-CN" altLang="en-US"/>
           </a:p>
@@ -2897,7 +2897,7 @@
           <a:p>
             <a:fld id="{8181CF6F-4F15-405C-B7F2-7C5097DD152A}" type="datetimeFigureOut">
               <a:rPr lang="zh-CN" altLang="en-US" smtClean="0"/>
-              <a:t>2016/10/6</a:t>
+              <a:t>2016/10/7</a:t>
             </a:fld>
             <a:endParaRPr lang="zh-CN" altLang="en-US"/>
           </a:p>
@@ -3226,7 +3226,7 @@
           <a:p>
             <a:fld id="{8181CF6F-4F15-405C-B7F2-7C5097DD152A}" type="datetimeFigureOut">
               <a:rPr lang="zh-CN" altLang="en-US" smtClean="0"/>
-              <a:t>2016/10/6</a:t>
+              <a:t>2016/10/7</a:t>
             </a:fld>
             <a:endParaRPr lang="zh-CN" altLang="en-US"/>
           </a:p>
@@ -3549,7 +3549,7 @@
           <a:p>
             <a:fld id="{8181CF6F-4F15-405C-B7F2-7C5097DD152A}" type="datetimeFigureOut">
               <a:rPr lang="zh-CN" altLang="en-US" smtClean="0"/>
-              <a:t>2016/10/6</a:t>
+              <a:t>2016/10/7</a:t>
             </a:fld>
             <a:endParaRPr lang="zh-CN" altLang="en-US"/>
           </a:p>
@@ -4006,7 +4006,7 @@
           <a:p>
             <a:fld id="{8181CF6F-4F15-405C-B7F2-7C5097DD152A}" type="datetimeFigureOut">
               <a:rPr lang="zh-CN" altLang="en-US" smtClean="0"/>
-              <a:t>2016/10/6</a:t>
+              <a:t>2016/10/7</a:t>
             </a:fld>
             <a:endParaRPr lang="zh-CN" altLang="en-US"/>
           </a:p>
@@ -4211,7 +4211,7 @@
           <a:p>
             <a:fld id="{8181CF6F-4F15-405C-B7F2-7C5097DD152A}" type="datetimeFigureOut">
               <a:rPr lang="zh-CN" altLang="en-US" smtClean="0"/>
-              <a:t>2016/10/6</a:t>
+              <a:t>2016/10/7</a:t>
             </a:fld>
             <a:endParaRPr lang="zh-CN" altLang="en-US"/>
           </a:p>
@@ -4388,7 +4388,7 @@
           <a:p>
             <a:fld id="{8181CF6F-4F15-405C-B7F2-7C5097DD152A}" type="datetimeFigureOut">
               <a:rPr lang="zh-CN" altLang="en-US" smtClean="0"/>
-              <a:t>2016/10/6</a:t>
+              <a:t>2016/10/7</a:t>
             </a:fld>
             <a:endParaRPr lang="zh-CN" altLang="en-US"/>
           </a:p>
@@ -4721,7 +4721,7 @@
           <a:p>
             <a:fld id="{8181CF6F-4F15-405C-B7F2-7C5097DD152A}" type="datetimeFigureOut">
               <a:rPr lang="zh-CN" altLang="en-US" smtClean="0"/>
-              <a:t>2016/10/6</a:t>
+              <a:t>2016/10/7</a:t>
             </a:fld>
             <a:endParaRPr lang="zh-CN" altLang="en-US"/>
           </a:p>
@@ -5066,7 +5066,7 @@
           <a:p>
             <a:fld id="{8181CF6F-4F15-405C-B7F2-7C5097DD152A}" type="datetimeFigureOut">
               <a:rPr lang="zh-CN" altLang="en-US" smtClean="0"/>
-              <a:t>2016/10/6</a:t>
+              <a:t>2016/10/7</a:t>
             </a:fld>
             <a:endParaRPr lang="zh-CN" altLang="en-US"/>
           </a:p>
@@ -7183,7 +7183,7 @@
           <a:p>
             <a:fld id="{8181CF6F-4F15-405C-B7F2-7C5097DD152A}" type="datetimeFigureOut">
               <a:rPr lang="zh-CN" altLang="en-US" smtClean="0"/>
-              <a:t>2016/10/6</a:t>
+              <a:t>2016/10/7</a:t>
             </a:fld>
             <a:endParaRPr lang="zh-CN" altLang="en-US"/>
           </a:p>
@@ -12025,7 +12025,7 @@
         </p:blipFill>
         <p:spPr>
           <a:xfrm>
-            <a:off x="838200" y="2527041"/>
+            <a:off x="1290928" y="2527041"/>
             <a:ext cx="9610143" cy="4047930"/>
           </a:xfrm>
           <a:prstGeom prst="rect">

--- a/刘卓中期报告.pptx
+++ b/刘卓中期报告.pptx
@@ -10297,9 +10297,41 @@
           </a:p>
         </p:txBody>
       </p:sp>
+      <p:sp>
+        <p:nvSpPr>
+          <p:cNvPr id="6" name="标题 1"/>
+          <p:cNvSpPr>
+            <a:spLocks noGrp="1"/>
+          </p:cNvSpPr>
+          <p:nvPr>
+            <p:ph type="title"/>
+          </p:nvPr>
+        </p:nvSpPr>
+        <p:spPr>
+          <a:xfrm>
+            <a:off x="1616363" y="627755"/>
+            <a:ext cx="9791265" cy="693046"/>
+          </a:xfrm>
+        </p:spPr>
+        <p:txBody>
+          <a:bodyPr/>
+          <a:lstStyle/>
+          <a:p>
+            <a:r>
+              <a:rPr lang="en-US" altLang="zh-CN" dirty="0" smtClean="0"/>
+              <a:t>4 </a:t>
+            </a:r>
+            <a:r>
+              <a:rPr lang="zh-CN" altLang="en-US" dirty="0" smtClean="0"/>
+              <a:t>基于引用计数的资源对象管理</a:t>
+            </a:r>
+            <a:endParaRPr lang="zh-CN" altLang="en-US" b="1" dirty="0"/>
+          </a:p>
+        </p:txBody>
+      </p:sp>
       <p:pic>
         <p:nvPicPr>
-          <p:cNvPr id="3" name="图片 2"/>
+          <p:cNvPr id="2" name="图片 1"/>
           <p:cNvPicPr>
             <a:picLocks noChangeAspect="1"/>
           </p:cNvPicPr>
@@ -10313,46 +10345,14 @@
         </p:blipFill>
         <p:spPr>
           <a:xfrm>
-            <a:off x="3842154" y="1406921"/>
-            <a:ext cx="6336175" cy="5188743"/>
+            <a:off x="3656887" y="1320801"/>
+            <a:ext cx="6689607" cy="5422901"/>
           </a:xfrm>
           <a:prstGeom prst="rect">
             <a:avLst/>
           </a:prstGeom>
         </p:spPr>
       </p:pic>
-      <p:sp>
-        <p:nvSpPr>
-          <p:cNvPr id="6" name="标题 1"/>
-          <p:cNvSpPr>
-            <a:spLocks noGrp="1"/>
-          </p:cNvSpPr>
-          <p:nvPr>
-            <p:ph type="title"/>
-          </p:nvPr>
-        </p:nvSpPr>
-        <p:spPr>
-          <a:xfrm>
-            <a:off x="1616363" y="627755"/>
-            <a:ext cx="9791265" cy="693046"/>
-          </a:xfrm>
-        </p:spPr>
-        <p:txBody>
-          <a:bodyPr/>
-          <a:lstStyle/>
-          <a:p>
-            <a:r>
-              <a:rPr lang="en-US" altLang="zh-CN" dirty="0" smtClean="0"/>
-              <a:t>4 </a:t>
-            </a:r>
-            <a:r>
-              <a:rPr lang="zh-CN" altLang="en-US" dirty="0" smtClean="0"/>
-              <a:t>基于引用计数的资源对象管理</a:t>
-            </a:r>
-            <a:endParaRPr lang="zh-CN" altLang="en-US" b="1" dirty="0"/>
-          </a:p>
-        </p:txBody>
-      </p:sp>
     </p:spTree>
     <p:extLst>
       <p:ext uri="{BB962C8B-B14F-4D97-AF65-F5344CB8AC3E}">

--- a/刘卓中期报告.pptx
+++ b/刘卓中期报告.pptx
@@ -13,24 +13,25 @@
     <p:sldId id="283" r:id="rId7"/>
     <p:sldId id="262" r:id="rId8"/>
     <p:sldId id="284" r:id="rId9"/>
-    <p:sldId id="261" r:id="rId10"/>
-    <p:sldId id="268" r:id="rId11"/>
-    <p:sldId id="269" r:id="rId12"/>
-    <p:sldId id="287" r:id="rId13"/>
-    <p:sldId id="288" r:id="rId14"/>
-    <p:sldId id="271" r:id="rId15"/>
-    <p:sldId id="270" r:id="rId16"/>
-    <p:sldId id="289" r:id="rId17"/>
-    <p:sldId id="276" r:id="rId18"/>
-    <p:sldId id="275" r:id="rId19"/>
-    <p:sldId id="272" r:id="rId20"/>
-    <p:sldId id="285" r:id="rId21"/>
-    <p:sldId id="278" r:id="rId22"/>
-    <p:sldId id="277" r:id="rId23"/>
-    <p:sldId id="279" r:id="rId24"/>
-    <p:sldId id="286" r:id="rId25"/>
-    <p:sldId id="280" r:id="rId26"/>
-    <p:sldId id="267" r:id="rId27"/>
+    <p:sldId id="290" r:id="rId10"/>
+    <p:sldId id="261" r:id="rId11"/>
+    <p:sldId id="268" r:id="rId12"/>
+    <p:sldId id="269" r:id="rId13"/>
+    <p:sldId id="287" r:id="rId14"/>
+    <p:sldId id="288" r:id="rId15"/>
+    <p:sldId id="271" r:id="rId16"/>
+    <p:sldId id="270" r:id="rId17"/>
+    <p:sldId id="289" r:id="rId18"/>
+    <p:sldId id="276" r:id="rId19"/>
+    <p:sldId id="275" r:id="rId20"/>
+    <p:sldId id="272" r:id="rId21"/>
+    <p:sldId id="285" r:id="rId22"/>
+    <p:sldId id="278" r:id="rId23"/>
+    <p:sldId id="277" r:id="rId24"/>
+    <p:sldId id="279" r:id="rId25"/>
+    <p:sldId id="286" r:id="rId26"/>
+    <p:sldId id="280" r:id="rId27"/>
+    <p:sldId id="267" r:id="rId28"/>
   </p:sldIdLst>
   <p:sldSz cx="12192000" cy="6858000"/>
   <p:notesSz cx="6858000" cy="9144000"/>
@@ -325,7 +326,7 @@
           <a:p>
             <a:fld id="{8181CF6F-4F15-405C-B7F2-7C5097DD152A}" type="datetimeFigureOut">
               <a:rPr lang="zh-CN" altLang="en-US" smtClean="0"/>
-              <a:t>2016/10/7</a:t>
+              <a:t>2016/10/8</a:t>
             </a:fld>
             <a:endParaRPr lang="zh-CN" altLang="en-US"/>
           </a:p>
@@ -663,7 +664,7 @@
           <a:p>
             <a:fld id="{8181CF6F-4F15-405C-B7F2-7C5097DD152A}" type="datetimeFigureOut">
               <a:rPr lang="zh-CN" altLang="en-US" smtClean="0"/>
-              <a:t>2016/10/7</a:t>
+              <a:t>2016/10/8</a:t>
             </a:fld>
             <a:endParaRPr lang="zh-CN" altLang="en-US"/>
           </a:p>
@@ -1064,7 +1065,7 @@
           <a:p>
             <a:fld id="{8181CF6F-4F15-405C-B7F2-7C5097DD152A}" type="datetimeFigureOut">
               <a:rPr lang="zh-CN" altLang="en-US" smtClean="0"/>
-              <a:t>2016/10/7</a:t>
+              <a:t>2016/10/8</a:t>
             </a:fld>
             <a:endParaRPr lang="zh-CN" altLang="en-US"/>
           </a:p>
@@ -1400,7 +1401,7 @@
           <a:p>
             <a:fld id="{8181CF6F-4F15-405C-B7F2-7C5097DD152A}" type="datetimeFigureOut">
               <a:rPr lang="zh-CN" altLang="en-US" smtClean="0"/>
-              <a:t>2016/10/7</a:t>
+              <a:t>2016/10/8</a:t>
             </a:fld>
             <a:endParaRPr lang="zh-CN" altLang="en-US"/>
           </a:p>
@@ -1720,7 +1721,7 @@
           <a:p>
             <a:fld id="{8181CF6F-4F15-405C-B7F2-7C5097DD152A}" type="datetimeFigureOut">
               <a:rPr lang="zh-CN" altLang="en-US" smtClean="0"/>
-              <a:t>2016/10/7</a:t>
+              <a:t>2016/10/8</a:t>
             </a:fld>
             <a:endParaRPr lang="zh-CN" altLang="en-US"/>
           </a:p>
@@ -2116,7 +2117,7 @@
           <a:p>
             <a:fld id="{8181CF6F-4F15-405C-B7F2-7C5097DD152A}" type="datetimeFigureOut">
               <a:rPr lang="zh-CN" altLang="en-US" smtClean="0"/>
-              <a:t>2016/10/7</a:t>
+              <a:t>2016/10/8</a:t>
             </a:fld>
             <a:endParaRPr lang="zh-CN" altLang="en-US"/>
           </a:p>
@@ -2373,7 +2374,7 @@
           <a:p>
             <a:fld id="{8181CF6F-4F15-405C-B7F2-7C5097DD152A}" type="datetimeFigureOut">
               <a:rPr lang="zh-CN" altLang="en-US" smtClean="0"/>
-              <a:t>2016/10/7</a:t>
+              <a:t>2016/10/8</a:t>
             </a:fld>
             <a:endParaRPr lang="zh-CN" altLang="en-US"/>
           </a:p>
@@ -2635,7 +2636,7 @@
           <a:p>
             <a:fld id="{8181CF6F-4F15-405C-B7F2-7C5097DD152A}" type="datetimeFigureOut">
               <a:rPr lang="zh-CN" altLang="en-US" smtClean="0"/>
-              <a:t>2016/10/7</a:t>
+              <a:t>2016/10/8</a:t>
             </a:fld>
             <a:endParaRPr lang="zh-CN" altLang="en-US"/>
           </a:p>
@@ -2897,7 +2898,7 @@
           <a:p>
             <a:fld id="{8181CF6F-4F15-405C-B7F2-7C5097DD152A}" type="datetimeFigureOut">
               <a:rPr lang="zh-CN" altLang="en-US" smtClean="0"/>
-              <a:t>2016/10/7</a:t>
+              <a:t>2016/10/8</a:t>
             </a:fld>
             <a:endParaRPr lang="zh-CN" altLang="en-US"/>
           </a:p>
@@ -3226,7 +3227,7 @@
           <a:p>
             <a:fld id="{8181CF6F-4F15-405C-B7F2-7C5097DD152A}" type="datetimeFigureOut">
               <a:rPr lang="zh-CN" altLang="en-US" smtClean="0"/>
-              <a:t>2016/10/7</a:t>
+              <a:t>2016/10/8</a:t>
             </a:fld>
             <a:endParaRPr lang="zh-CN" altLang="en-US"/>
           </a:p>
@@ -3549,7 +3550,7 @@
           <a:p>
             <a:fld id="{8181CF6F-4F15-405C-B7F2-7C5097DD152A}" type="datetimeFigureOut">
               <a:rPr lang="zh-CN" altLang="en-US" smtClean="0"/>
-              <a:t>2016/10/7</a:t>
+              <a:t>2016/10/8</a:t>
             </a:fld>
             <a:endParaRPr lang="zh-CN" altLang="en-US"/>
           </a:p>
@@ -4006,7 +4007,7 @@
           <a:p>
             <a:fld id="{8181CF6F-4F15-405C-B7F2-7C5097DD152A}" type="datetimeFigureOut">
               <a:rPr lang="zh-CN" altLang="en-US" smtClean="0"/>
-              <a:t>2016/10/7</a:t>
+              <a:t>2016/10/8</a:t>
             </a:fld>
             <a:endParaRPr lang="zh-CN" altLang="en-US"/>
           </a:p>
@@ -4211,7 +4212,7 @@
           <a:p>
             <a:fld id="{8181CF6F-4F15-405C-B7F2-7C5097DD152A}" type="datetimeFigureOut">
               <a:rPr lang="zh-CN" altLang="en-US" smtClean="0"/>
-              <a:t>2016/10/7</a:t>
+              <a:t>2016/10/8</a:t>
             </a:fld>
             <a:endParaRPr lang="zh-CN" altLang="en-US"/>
           </a:p>
@@ -4388,7 +4389,7 @@
           <a:p>
             <a:fld id="{8181CF6F-4F15-405C-B7F2-7C5097DD152A}" type="datetimeFigureOut">
               <a:rPr lang="zh-CN" altLang="en-US" smtClean="0"/>
-              <a:t>2016/10/7</a:t>
+              <a:t>2016/10/8</a:t>
             </a:fld>
             <a:endParaRPr lang="zh-CN" altLang="en-US"/>
           </a:p>
@@ -4721,7 +4722,7 @@
           <a:p>
             <a:fld id="{8181CF6F-4F15-405C-B7F2-7C5097DD152A}" type="datetimeFigureOut">
               <a:rPr lang="zh-CN" altLang="en-US" smtClean="0"/>
-              <a:t>2016/10/7</a:t>
+              <a:t>2016/10/8</a:t>
             </a:fld>
             <a:endParaRPr lang="zh-CN" altLang="en-US"/>
           </a:p>
@@ -5066,7 +5067,7 @@
           <a:p>
             <a:fld id="{8181CF6F-4F15-405C-B7F2-7C5097DD152A}" type="datetimeFigureOut">
               <a:rPr lang="zh-CN" altLang="en-US" smtClean="0"/>
-              <a:t>2016/10/7</a:t>
+              <a:t>2016/10/8</a:t>
             </a:fld>
             <a:endParaRPr lang="zh-CN" altLang="en-US"/>
           </a:p>
@@ -7183,7 +7184,7 @@
           <a:p>
             <a:fld id="{8181CF6F-4F15-405C-B7F2-7C5097DD152A}" type="datetimeFigureOut">
               <a:rPr lang="zh-CN" altLang="en-US" smtClean="0"/>
-              <a:t>2016/10/7</a:t>
+              <a:t>2016/10/8</a:t>
             </a:fld>
             <a:endParaRPr lang="zh-CN" altLang="en-US"/>
           </a:p>
@@ -7826,6 +7827,137 @@
           <a:chExt cx="0" cy="0"/>
         </a:xfrm>
       </p:grpSpPr>
+      <p:sp>
+        <p:nvSpPr>
+          <p:cNvPr id="3" name="内容占位符 2"/>
+          <p:cNvSpPr>
+            <a:spLocks noGrp="1"/>
+          </p:cNvSpPr>
+          <p:nvPr>
+            <p:ph idx="1"/>
+          </p:nvPr>
+        </p:nvSpPr>
+        <p:spPr>
+          <a:xfrm>
+            <a:off x="838200" y="1320801"/>
+            <a:ext cx="10515600" cy="5254170"/>
+          </a:xfrm>
+        </p:spPr>
+        <p:txBody>
+          <a:bodyPr vert="horz" lIns="91440" tIns="45720" rIns="91440" bIns="45720" rtlCol="0">
+            <a:normAutofit/>
+          </a:bodyPr>
+          <a:lstStyle/>
+          <a:p>
+            <a:r>
+              <a:rPr lang="zh-CN" altLang="zh-CN" sz="2600" dirty="0"/>
+              <a:t>人员管理模块</a:t>
+            </a:r>
+            <a:endParaRPr lang="en-US" altLang="zh-CN" sz="2600" dirty="0"/>
+          </a:p>
+          <a:p>
+            <a:pPr lvl="1"/>
+            <a:r>
+              <a:rPr lang="zh-CN" altLang="zh-CN" sz="2000" dirty="0"/>
+              <a:t>本模块包括管理教师、在职学生两种用户。实现了个人信息管理、管理教师账号生成、学生值班管理、学生考试管理、学生签到管理、学生注册请求管理等多种功能。</a:t>
+            </a:r>
+            <a:endParaRPr lang="en-US" altLang="zh-CN" sz="2000" dirty="0"/>
+          </a:p>
+        </p:txBody>
+      </p:sp>
+      <p:sp>
+        <p:nvSpPr>
+          <p:cNvPr id="6" name="标题 1"/>
+          <p:cNvSpPr>
+            <a:spLocks noGrp="1"/>
+          </p:cNvSpPr>
+          <p:nvPr>
+            <p:ph type="title"/>
+          </p:nvPr>
+        </p:nvSpPr>
+        <p:spPr>
+          <a:xfrm>
+            <a:off x="1616363" y="627755"/>
+            <a:ext cx="9791265" cy="693046"/>
+          </a:xfrm>
+        </p:spPr>
+        <p:txBody>
+          <a:bodyPr/>
+          <a:lstStyle/>
+          <a:p>
+            <a:r>
+              <a:rPr lang="en-US" altLang="zh-CN" dirty="0" smtClean="0"/>
+              <a:t>3 </a:t>
+            </a:r>
+            <a:r>
+              <a:rPr lang="zh-CN" altLang="en-US" dirty="0" smtClean="0"/>
+              <a:t>研究方案</a:t>
+            </a:r>
+            <a:endParaRPr lang="zh-CN" altLang="en-US" b="1" dirty="0"/>
+          </a:p>
+        </p:txBody>
+      </p:sp>
+      <p:pic>
+        <p:nvPicPr>
+          <p:cNvPr id="8" name="图片 7"/>
+          <p:cNvPicPr>
+            <a:picLocks noChangeAspect="1"/>
+          </p:cNvPicPr>
+          <p:nvPr/>
+        </p:nvPicPr>
+        <p:blipFill>
+          <a:blip r:embed="rId2"/>
+          <a:stretch>
+            <a:fillRect/>
+          </a:stretch>
+        </p:blipFill>
+        <p:spPr>
+          <a:xfrm>
+            <a:off x="1290928" y="2527041"/>
+            <a:ext cx="9610143" cy="4047930"/>
+          </a:xfrm>
+          <a:prstGeom prst="rect">
+            <a:avLst/>
+          </a:prstGeom>
+        </p:spPr>
+      </p:pic>
+    </p:spTree>
+    <p:extLst>
+      <p:ext uri="{BB962C8B-B14F-4D97-AF65-F5344CB8AC3E}">
+        <p14:creationId xmlns:p14="http://schemas.microsoft.com/office/powerpoint/2010/main" val="2614155087"/>
+      </p:ext>
+    </p:extLst>
+  </p:cSld>
+  <p:clrMapOvr>
+    <a:masterClrMapping/>
+  </p:clrMapOvr>
+  <p:timing>
+    <p:tnLst>
+      <p:par>
+        <p:cTn id="1" dur="indefinite" restart="never" nodeType="tmRoot"/>
+      </p:par>
+    </p:tnLst>
+  </p:timing>
+</p:sld>
+</file>
+
+<file path=ppt/slides/slide11.xml><?xml version="1.0" encoding="utf-8"?>
+<p:sld xmlns:a="http://schemas.openxmlformats.org/drawingml/2006/main" xmlns:r="http://schemas.openxmlformats.org/officeDocument/2006/relationships" xmlns:p="http://schemas.openxmlformats.org/presentationml/2006/main">
+  <p:cSld>
+    <p:spTree>
+      <p:nvGrpSpPr>
+        <p:cNvPr id="1" name=""/>
+        <p:cNvGrpSpPr/>
+        <p:nvPr/>
+      </p:nvGrpSpPr>
+      <p:grpSpPr>
+        <a:xfrm>
+          <a:off x="0" y="0"/>
+          <a:ext cx="0" cy="0"/>
+          <a:chOff x="0" y="0"/>
+          <a:chExt cx="0" cy="0"/>
+        </a:xfrm>
+      </p:grpSpPr>
       <p:pic>
         <p:nvPicPr>
           <p:cNvPr id="6" name="图片 5"/>
@@ -8150,166 +8282,6 @@
 </p:sld>
 </file>
 
-<file path=ppt/slides/slide11.xml><?xml version="1.0" encoding="utf-8"?>
-<p:sld xmlns:a="http://schemas.openxmlformats.org/drawingml/2006/main" xmlns:r="http://schemas.openxmlformats.org/officeDocument/2006/relationships" xmlns:p="http://schemas.openxmlformats.org/presentationml/2006/main">
-  <p:cSld>
-    <p:spTree>
-      <p:nvGrpSpPr>
-        <p:cNvPr id="1" name=""/>
-        <p:cNvGrpSpPr/>
-        <p:nvPr/>
-      </p:nvGrpSpPr>
-      <p:grpSpPr>
-        <a:xfrm>
-          <a:off x="0" y="0"/>
-          <a:ext cx="0" cy="0"/>
-          <a:chOff x="0" y="0"/>
-          <a:chExt cx="0" cy="0"/>
-        </a:xfrm>
-      </p:grpSpPr>
-      <p:sp>
-        <p:nvSpPr>
-          <p:cNvPr id="3" name="内容占位符 2"/>
-          <p:cNvSpPr>
-            <a:spLocks noGrp="1"/>
-          </p:cNvSpPr>
-          <p:nvPr>
-            <p:ph idx="1"/>
-          </p:nvPr>
-        </p:nvSpPr>
-        <p:spPr>
-          <a:xfrm>
-            <a:off x="838200" y="1320801"/>
-            <a:ext cx="10515600" cy="4856162"/>
-          </a:xfrm>
-        </p:spPr>
-        <p:txBody>
-          <a:bodyPr>
-            <a:normAutofit/>
-          </a:bodyPr>
-          <a:lstStyle/>
-          <a:p>
-            <a:r>
-              <a:rPr lang="zh-CN" altLang="zh-CN" sz="2600" dirty="0"/>
-              <a:t>教室管理</a:t>
-            </a:r>
-            <a:r>
-              <a:rPr lang="zh-CN" altLang="zh-CN" sz="2600" dirty="0" smtClean="0"/>
-              <a:t>模块</a:t>
-            </a:r>
-            <a:endParaRPr lang="en-US" altLang="zh-CN" sz="2600" dirty="0" smtClean="0"/>
-          </a:p>
-          <a:p>
-            <a:pPr lvl="1"/>
-            <a:r>
-              <a:rPr lang="zh-CN" altLang="en-US" sz="2000" dirty="0" smtClean="0"/>
-              <a:t>教室管理按照教学楼管理，教室管理，教室信息管理，三层管理结构。</a:t>
-            </a:r>
-            <a:endParaRPr lang="en-US" altLang="zh-CN" sz="2000" dirty="0" smtClean="0"/>
-          </a:p>
-          <a:p>
-            <a:endParaRPr lang="en-US" altLang="zh-CN" dirty="0" smtClean="0"/>
-          </a:p>
-          <a:p>
-            <a:pPr lvl="1"/>
-            <a:endParaRPr lang="en-US" altLang="zh-CN" dirty="0"/>
-          </a:p>
-          <a:p>
-            <a:endParaRPr lang="en-US" altLang="zh-CN" u="sng" dirty="0" smtClean="0"/>
-          </a:p>
-          <a:p>
-            <a:endParaRPr lang="en-US" altLang="zh-CN" dirty="0"/>
-          </a:p>
-          <a:p>
-            <a:endParaRPr lang="en-US" altLang="zh-CN" dirty="0" smtClean="0"/>
-          </a:p>
-          <a:p>
-            <a:endParaRPr lang="en-US" altLang="zh-CN" dirty="0"/>
-          </a:p>
-          <a:p>
-            <a:endParaRPr lang="en-US" altLang="zh-CN" dirty="0" smtClean="0"/>
-          </a:p>
-          <a:p>
-            <a:endParaRPr lang="zh-CN" altLang="en-US" dirty="0"/>
-          </a:p>
-        </p:txBody>
-      </p:sp>
-      <p:sp>
-        <p:nvSpPr>
-          <p:cNvPr id="7" name="标题 1"/>
-          <p:cNvSpPr>
-            <a:spLocks noGrp="1"/>
-          </p:cNvSpPr>
-          <p:nvPr>
-            <p:ph type="title"/>
-          </p:nvPr>
-        </p:nvSpPr>
-        <p:spPr>
-          <a:xfrm>
-            <a:off x="1616363" y="627755"/>
-            <a:ext cx="9791265" cy="693046"/>
-          </a:xfrm>
-        </p:spPr>
-        <p:txBody>
-          <a:bodyPr/>
-          <a:lstStyle/>
-          <a:p>
-            <a:r>
-              <a:rPr lang="en-US" altLang="zh-CN" dirty="0" smtClean="0"/>
-              <a:t>3 </a:t>
-            </a:r>
-            <a:r>
-              <a:rPr lang="zh-CN" altLang="en-US" dirty="0" smtClean="0"/>
-              <a:t>研究方案</a:t>
-            </a:r>
-            <a:endParaRPr lang="zh-CN" altLang="en-US" b="1" dirty="0"/>
-          </a:p>
-        </p:txBody>
-      </p:sp>
-      <p:pic>
-        <p:nvPicPr>
-          <p:cNvPr id="8" name="图片 7"/>
-          <p:cNvPicPr>
-            <a:picLocks noChangeAspect="1"/>
-          </p:cNvPicPr>
-          <p:nvPr/>
-        </p:nvPicPr>
-        <p:blipFill>
-          <a:blip r:embed="rId2"/>
-          <a:stretch>
-            <a:fillRect/>
-          </a:stretch>
-        </p:blipFill>
-        <p:spPr>
-          <a:xfrm>
-            <a:off x="1271451" y="2229392"/>
-            <a:ext cx="8342812" cy="3947571"/>
-          </a:xfrm>
-          <a:prstGeom prst="rect">
-            <a:avLst/>
-          </a:prstGeom>
-        </p:spPr>
-      </p:pic>
-    </p:spTree>
-    <p:extLst>
-      <p:ext uri="{BB962C8B-B14F-4D97-AF65-F5344CB8AC3E}">
-        <p14:creationId xmlns:p14="http://schemas.microsoft.com/office/powerpoint/2010/main" val="3169744238"/>
-      </p:ext>
-    </p:extLst>
-  </p:cSld>
-  <p:clrMapOvr>
-    <a:masterClrMapping/>
-  </p:clrMapOvr>
-  <p:timing>
-    <p:tnLst>
-      <p:par>
-        <p:cTn id="1" dur="indefinite" restart="never" nodeType="tmRoot"/>
-      </p:par>
-    </p:tnLst>
-  </p:timing>
-</p:sld>
-</file>
-
 <file path=ppt/slides/slide12.xml><?xml version="1.0" encoding="utf-8"?>
 <p:sld xmlns:a="http://schemas.openxmlformats.org/drawingml/2006/main" xmlns:r="http://schemas.openxmlformats.org/officeDocument/2006/relationships" xmlns:p="http://schemas.openxmlformats.org/presentationml/2006/main">
   <p:cSld>
@@ -8428,7 +8400,7 @@
       </p:sp>
       <p:pic>
         <p:nvPicPr>
-          <p:cNvPr id="9" name="图片 8"/>
+          <p:cNvPr id="8" name="图片 7"/>
           <p:cNvPicPr>
             <a:picLocks noChangeAspect="1"/>
           </p:cNvPicPr>
@@ -8442,8 +8414,8 @@
         </p:blipFill>
         <p:spPr>
           <a:xfrm>
-            <a:off x="1068488" y="2281643"/>
-            <a:ext cx="7886035" cy="4380414"/>
+            <a:off x="1271451" y="2229392"/>
+            <a:ext cx="8342812" cy="3947571"/>
           </a:xfrm>
           <a:prstGeom prst="rect">
             <a:avLst/>
@@ -8453,7 +8425,7 @@
     </p:spTree>
     <p:extLst>
       <p:ext uri="{BB962C8B-B14F-4D97-AF65-F5344CB8AC3E}">
-        <p14:creationId xmlns:p14="http://schemas.microsoft.com/office/powerpoint/2010/main" val="2905952454"/>
+        <p14:creationId xmlns:p14="http://schemas.microsoft.com/office/powerpoint/2010/main" val="3169744238"/>
       </p:ext>
     </p:extLst>
   </p:cSld>
@@ -8588,7 +8560,7 @@
       </p:sp>
       <p:pic>
         <p:nvPicPr>
-          <p:cNvPr id="2" name="图片 1"/>
+          <p:cNvPr id="9" name="图片 8"/>
           <p:cNvPicPr>
             <a:picLocks noChangeAspect="1"/>
           </p:cNvPicPr>
@@ -8602,8 +8574,8 @@
         </p:blipFill>
         <p:spPr>
           <a:xfrm>
-            <a:off x="1140824" y="2291191"/>
-            <a:ext cx="8517396" cy="4466660"/>
+            <a:off x="1068488" y="2281643"/>
+            <a:ext cx="7886035" cy="4380414"/>
           </a:xfrm>
           <a:prstGeom prst="rect">
             <a:avLst/>
@@ -8613,7 +8585,7 @@
     </p:spTree>
     <p:extLst>
       <p:ext uri="{BB962C8B-B14F-4D97-AF65-F5344CB8AC3E}">
-        <p14:creationId xmlns:p14="http://schemas.microsoft.com/office/powerpoint/2010/main" val="3124246716"/>
+        <p14:creationId xmlns:p14="http://schemas.microsoft.com/office/powerpoint/2010/main" val="2905952454"/>
       </p:ext>
     </p:extLst>
   </p:cSld>
@@ -8649,6 +8621,166 @@
       </p:grpSpPr>
       <p:sp>
         <p:nvSpPr>
+          <p:cNvPr id="3" name="内容占位符 2"/>
+          <p:cNvSpPr>
+            <a:spLocks noGrp="1"/>
+          </p:cNvSpPr>
+          <p:nvPr>
+            <p:ph idx="1"/>
+          </p:nvPr>
+        </p:nvSpPr>
+        <p:spPr>
+          <a:xfrm>
+            <a:off x="838200" y="1320801"/>
+            <a:ext cx="10515600" cy="4856162"/>
+          </a:xfrm>
+        </p:spPr>
+        <p:txBody>
+          <a:bodyPr>
+            <a:normAutofit/>
+          </a:bodyPr>
+          <a:lstStyle/>
+          <a:p>
+            <a:r>
+              <a:rPr lang="zh-CN" altLang="zh-CN" sz="2600" dirty="0"/>
+              <a:t>教室管理</a:t>
+            </a:r>
+            <a:r>
+              <a:rPr lang="zh-CN" altLang="zh-CN" sz="2600" dirty="0" smtClean="0"/>
+              <a:t>模块</a:t>
+            </a:r>
+            <a:endParaRPr lang="en-US" altLang="zh-CN" sz="2600" dirty="0" smtClean="0"/>
+          </a:p>
+          <a:p>
+            <a:pPr lvl="1"/>
+            <a:r>
+              <a:rPr lang="zh-CN" altLang="en-US" sz="2000" dirty="0" smtClean="0"/>
+              <a:t>教室管理按照教学楼管理，教室管理，教室信息管理，三层管理结构。</a:t>
+            </a:r>
+            <a:endParaRPr lang="en-US" altLang="zh-CN" sz="2000" dirty="0" smtClean="0"/>
+          </a:p>
+          <a:p>
+            <a:endParaRPr lang="en-US" altLang="zh-CN" dirty="0" smtClean="0"/>
+          </a:p>
+          <a:p>
+            <a:pPr lvl="1"/>
+            <a:endParaRPr lang="en-US" altLang="zh-CN" dirty="0"/>
+          </a:p>
+          <a:p>
+            <a:endParaRPr lang="en-US" altLang="zh-CN" u="sng" dirty="0" smtClean="0"/>
+          </a:p>
+          <a:p>
+            <a:endParaRPr lang="en-US" altLang="zh-CN" dirty="0"/>
+          </a:p>
+          <a:p>
+            <a:endParaRPr lang="en-US" altLang="zh-CN" dirty="0" smtClean="0"/>
+          </a:p>
+          <a:p>
+            <a:endParaRPr lang="en-US" altLang="zh-CN" dirty="0"/>
+          </a:p>
+          <a:p>
+            <a:endParaRPr lang="en-US" altLang="zh-CN" dirty="0" smtClean="0"/>
+          </a:p>
+          <a:p>
+            <a:endParaRPr lang="zh-CN" altLang="en-US" dirty="0"/>
+          </a:p>
+        </p:txBody>
+      </p:sp>
+      <p:sp>
+        <p:nvSpPr>
+          <p:cNvPr id="7" name="标题 1"/>
+          <p:cNvSpPr>
+            <a:spLocks noGrp="1"/>
+          </p:cNvSpPr>
+          <p:nvPr>
+            <p:ph type="title"/>
+          </p:nvPr>
+        </p:nvSpPr>
+        <p:spPr>
+          <a:xfrm>
+            <a:off x="1616363" y="627755"/>
+            <a:ext cx="9791265" cy="693046"/>
+          </a:xfrm>
+        </p:spPr>
+        <p:txBody>
+          <a:bodyPr/>
+          <a:lstStyle/>
+          <a:p>
+            <a:r>
+              <a:rPr lang="en-US" altLang="zh-CN" dirty="0" smtClean="0"/>
+              <a:t>3 </a:t>
+            </a:r>
+            <a:r>
+              <a:rPr lang="zh-CN" altLang="en-US" dirty="0" smtClean="0"/>
+              <a:t>研究方案</a:t>
+            </a:r>
+            <a:endParaRPr lang="zh-CN" altLang="en-US" b="1" dirty="0"/>
+          </a:p>
+        </p:txBody>
+      </p:sp>
+      <p:pic>
+        <p:nvPicPr>
+          <p:cNvPr id="2" name="图片 1"/>
+          <p:cNvPicPr>
+            <a:picLocks noChangeAspect="1"/>
+          </p:cNvPicPr>
+          <p:nvPr/>
+        </p:nvPicPr>
+        <p:blipFill>
+          <a:blip r:embed="rId2"/>
+          <a:stretch>
+            <a:fillRect/>
+          </a:stretch>
+        </p:blipFill>
+        <p:spPr>
+          <a:xfrm>
+            <a:off x="1140824" y="2291191"/>
+            <a:ext cx="8517396" cy="4466660"/>
+          </a:xfrm>
+          <a:prstGeom prst="rect">
+            <a:avLst/>
+          </a:prstGeom>
+        </p:spPr>
+      </p:pic>
+    </p:spTree>
+    <p:extLst>
+      <p:ext uri="{BB962C8B-B14F-4D97-AF65-F5344CB8AC3E}">
+        <p14:creationId xmlns:p14="http://schemas.microsoft.com/office/powerpoint/2010/main" val="3124246716"/>
+      </p:ext>
+    </p:extLst>
+  </p:cSld>
+  <p:clrMapOvr>
+    <a:masterClrMapping/>
+  </p:clrMapOvr>
+  <p:timing>
+    <p:tnLst>
+      <p:par>
+        <p:cTn id="1" dur="indefinite" restart="never" nodeType="tmRoot"/>
+      </p:par>
+    </p:tnLst>
+  </p:timing>
+</p:sld>
+</file>
+
+<file path=ppt/slides/slide15.xml><?xml version="1.0" encoding="utf-8"?>
+<p:sld xmlns:a="http://schemas.openxmlformats.org/drawingml/2006/main" xmlns:r="http://schemas.openxmlformats.org/officeDocument/2006/relationships" xmlns:p="http://schemas.openxmlformats.org/presentationml/2006/main">
+  <p:cSld>
+    <p:spTree>
+      <p:nvGrpSpPr>
+        <p:cNvPr id="1" name=""/>
+        <p:cNvGrpSpPr/>
+        <p:nvPr/>
+      </p:nvGrpSpPr>
+      <p:grpSpPr>
+        <a:xfrm>
+          <a:off x="0" y="0"/>
+          <a:ext cx="0" cy="0"/>
+          <a:chOff x="0" y="0"/>
+          <a:chExt cx="0" cy="0"/>
+        </a:xfrm>
+      </p:grpSpPr>
+      <p:sp>
+        <p:nvSpPr>
           <p:cNvPr id="6" name="内容占位符 5"/>
           <p:cNvSpPr>
             <a:spLocks noGrp="1"/>
@@ -8753,7 +8885,7 @@
 </p:sld>
 </file>
 
-<file path=ppt/slides/slide15.xml><?xml version="1.0" encoding="utf-8"?>
+<file path=ppt/slides/slide16.xml><?xml version="1.0" encoding="utf-8"?>
 <p:sld xmlns:a="http://schemas.openxmlformats.org/drawingml/2006/main" xmlns:r="http://schemas.openxmlformats.org/officeDocument/2006/relationships" xmlns:p="http://schemas.openxmlformats.org/presentationml/2006/main">
   <p:cSld>
     <p:spTree>
@@ -8969,7 +9101,7 @@
 </p:sld>
 </file>
 
-<file path=ppt/slides/slide16.xml><?xml version="1.0" encoding="utf-8"?>
+<file path=ppt/slides/slide17.xml><?xml version="1.0" encoding="utf-8"?>
 <p:sld xmlns:a="http://schemas.openxmlformats.org/drawingml/2006/main" xmlns:r="http://schemas.openxmlformats.org/officeDocument/2006/relationships" xmlns:p="http://schemas.openxmlformats.org/presentationml/2006/main">
   <p:cSld>
     <p:spTree>
@@ -9185,129 +9317,6 @@
 </p:sld>
 </file>
 
-<file path=ppt/slides/slide17.xml><?xml version="1.0" encoding="utf-8"?>
-<p:sld xmlns:a="http://schemas.openxmlformats.org/drawingml/2006/main" xmlns:r="http://schemas.openxmlformats.org/officeDocument/2006/relationships" xmlns:p="http://schemas.openxmlformats.org/presentationml/2006/main">
-  <p:cSld>
-    <p:spTree>
-      <p:nvGrpSpPr>
-        <p:cNvPr id="1" name=""/>
-        <p:cNvGrpSpPr/>
-        <p:nvPr/>
-      </p:nvGrpSpPr>
-      <p:grpSpPr>
-        <a:xfrm>
-          <a:off x="0" y="0"/>
-          <a:ext cx="0" cy="0"/>
-          <a:chOff x="0" y="0"/>
-          <a:chExt cx="0" cy="0"/>
-        </a:xfrm>
-      </p:grpSpPr>
-      <p:sp>
-        <p:nvSpPr>
-          <p:cNvPr id="3" name="内容占位符 2"/>
-          <p:cNvSpPr>
-            <a:spLocks noGrp="1"/>
-          </p:cNvSpPr>
-          <p:nvPr>
-            <p:ph idx="1"/>
-          </p:nvPr>
-        </p:nvSpPr>
-        <p:spPr>
-          <a:xfrm>
-            <a:off x="838200" y="1320802"/>
-            <a:ext cx="10515600" cy="4856162"/>
-          </a:xfrm>
-        </p:spPr>
-        <p:txBody>
-          <a:bodyPr>
-            <a:normAutofit/>
-          </a:bodyPr>
-          <a:lstStyle/>
-          <a:p>
-            <a:r>
-              <a:rPr lang="zh-CN" altLang="en-US" sz="2600" dirty="0" smtClean="0"/>
-              <a:t>维修记录管理模块</a:t>
-            </a:r>
-            <a:endParaRPr lang="zh-CN" altLang="en-US" sz="2600" dirty="0"/>
-          </a:p>
-        </p:txBody>
-      </p:sp>
-      <p:pic>
-        <p:nvPicPr>
-          <p:cNvPr id="4" name="图片 3"/>
-          <p:cNvPicPr>
-            <a:picLocks noChangeAspect="1"/>
-          </p:cNvPicPr>
-          <p:nvPr/>
-        </p:nvPicPr>
-        <p:blipFill>
-          <a:blip r:embed="rId2"/>
-          <a:stretch>
-            <a:fillRect/>
-          </a:stretch>
-        </p:blipFill>
-        <p:spPr>
-          <a:xfrm>
-            <a:off x="1691640" y="2042528"/>
-            <a:ext cx="9187543" cy="4463372"/>
-          </a:xfrm>
-          <a:prstGeom prst="rect">
-            <a:avLst/>
-          </a:prstGeom>
-        </p:spPr>
-      </p:pic>
-      <p:sp>
-        <p:nvSpPr>
-          <p:cNvPr id="6" name="标题 1"/>
-          <p:cNvSpPr>
-            <a:spLocks noGrp="1"/>
-          </p:cNvSpPr>
-          <p:nvPr>
-            <p:ph type="title"/>
-          </p:nvPr>
-        </p:nvSpPr>
-        <p:spPr>
-          <a:xfrm>
-            <a:off x="1616363" y="627755"/>
-            <a:ext cx="9791265" cy="693046"/>
-          </a:xfrm>
-        </p:spPr>
-        <p:txBody>
-          <a:bodyPr/>
-          <a:lstStyle/>
-          <a:p>
-            <a:r>
-              <a:rPr lang="en-US" altLang="zh-CN" dirty="0" smtClean="0"/>
-              <a:t>3 </a:t>
-            </a:r>
-            <a:r>
-              <a:rPr lang="zh-CN" altLang="en-US" dirty="0" smtClean="0"/>
-              <a:t>研究方案</a:t>
-            </a:r>
-            <a:endParaRPr lang="zh-CN" altLang="en-US" b="1" dirty="0"/>
-          </a:p>
-        </p:txBody>
-      </p:sp>
-    </p:spTree>
-    <p:extLst>
-      <p:ext uri="{BB962C8B-B14F-4D97-AF65-F5344CB8AC3E}">
-        <p14:creationId xmlns:p14="http://schemas.microsoft.com/office/powerpoint/2010/main" val="4078714122"/>
-      </p:ext>
-    </p:extLst>
-  </p:cSld>
-  <p:clrMapOvr>
-    <a:masterClrMapping/>
-  </p:clrMapOvr>
-  <p:timing>
-    <p:tnLst>
-      <p:par>
-        <p:cTn id="1" dur="indefinite" restart="never" nodeType="tmRoot"/>
-      </p:par>
-    </p:tnLst>
-  </p:timing>
-</p:sld>
-</file>
-
 <file path=ppt/slides/slide18.xml><?xml version="1.0" encoding="utf-8"?>
 <p:sld xmlns:a="http://schemas.openxmlformats.org/drawingml/2006/main" xmlns:r="http://schemas.openxmlformats.org/officeDocument/2006/relationships" xmlns:p="http://schemas.openxmlformats.org/presentationml/2006/main">
   <p:cSld>
@@ -9337,25 +9346,21 @@
         </p:nvSpPr>
         <p:spPr>
           <a:xfrm>
-            <a:off x="838200" y="1320801"/>
-            <a:ext cx="3968932" cy="4856162"/>
-          </a:xfrm>
-        </p:spPr>
-        <p:txBody>
-          <a:bodyPr/>
+            <a:off x="838200" y="1320802"/>
+            <a:ext cx="10515600" cy="4856162"/>
+          </a:xfrm>
+        </p:spPr>
+        <p:txBody>
+          <a:bodyPr>
+            <a:normAutofit/>
+          </a:bodyPr>
           <a:lstStyle/>
           <a:p>
             <a:r>
               <a:rPr lang="zh-CN" altLang="en-US" sz="2600" dirty="0" smtClean="0"/>
-              <a:t>紧急消息管理模块</a:t>
-            </a:r>
-            <a:endParaRPr lang="en-US" altLang="zh-CN" sz="2600" dirty="0"/>
-          </a:p>
-          <a:p>
-            <a:pPr marL="0" indent="0">
-              <a:buNone/>
-            </a:pPr>
-            <a:endParaRPr lang="zh-CN" altLang="en-US" dirty="0"/>
+              <a:t>维修记录管理模块</a:t>
+            </a:r>
+            <a:endParaRPr lang="zh-CN" altLang="en-US" sz="2600" dirty="0"/>
           </a:p>
         </p:txBody>
       </p:sp>
@@ -9375,8 +9380,8 @@
         </p:blipFill>
         <p:spPr>
           <a:xfrm>
-            <a:off x="4807132" y="1290785"/>
-            <a:ext cx="6430871" cy="5180623"/>
+            <a:off x="1691640" y="2042528"/>
+            <a:ext cx="9187543" cy="4463372"/>
           </a:xfrm>
           <a:prstGeom prst="rect">
             <a:avLst/>
@@ -9418,7 +9423,7 @@
     </p:spTree>
     <p:extLst>
       <p:ext uri="{BB962C8B-B14F-4D97-AF65-F5344CB8AC3E}">
-        <p14:creationId xmlns:p14="http://schemas.microsoft.com/office/powerpoint/2010/main" val="3973349366"/>
+        <p14:creationId xmlns:p14="http://schemas.microsoft.com/office/powerpoint/2010/main" val="4078714122"/>
       </p:ext>
     </p:extLst>
   </p:cSld>
@@ -9464,8 +9469,8 @@
         </p:nvSpPr>
         <p:spPr>
           <a:xfrm>
-            <a:off x="925875" y="1320801"/>
-            <a:ext cx="10639108" cy="5402216"/>
+            <a:off x="838200" y="1320801"/>
+            <a:ext cx="3968932" cy="4856162"/>
           </a:xfrm>
         </p:spPr>
         <p:txBody>
@@ -9473,86 +9478,46 @@
           <a:lstStyle/>
           <a:p>
             <a:r>
-              <a:rPr lang="zh-CN" altLang="zh-CN" sz="2600" dirty="0" smtClean="0"/>
-              <a:t>远程</a:t>
-            </a:r>
-            <a:r>
-              <a:rPr lang="zh-CN" altLang="zh-CN" sz="2600" dirty="0"/>
-              <a:t>控制</a:t>
-            </a:r>
-            <a:r>
-              <a:rPr lang="zh-CN" altLang="zh-CN" sz="2600" dirty="0" smtClean="0"/>
-              <a:t>模块</a:t>
-            </a:r>
-            <a:endParaRPr lang="en-US" altLang="zh-CN" sz="2600" dirty="0" smtClean="0"/>
-          </a:p>
-          <a:p>
-            <a:pPr lvl="1"/>
-            <a:r>
-              <a:rPr lang="zh-CN" altLang="en-US" sz="2000" dirty="0" smtClean="0"/>
-              <a:t>提供与教室设备远程连接的功能，能够实时地获取远程教室的详细信息为管理者使用者提供更加逼真的使用体验。</a:t>
-            </a:r>
-            <a:endParaRPr lang="en-US" altLang="zh-CN" sz="2000" dirty="0" smtClean="0"/>
-          </a:p>
-          <a:p>
-            <a:pPr lvl="1"/>
-            <a:r>
-              <a:rPr lang="zh-CN" altLang="zh-CN" sz="2000" dirty="0" smtClean="0"/>
-              <a:t>远程</a:t>
-            </a:r>
-            <a:r>
-              <a:rPr lang="zh-CN" altLang="zh-CN" sz="2000" dirty="0"/>
-              <a:t>控制模块还未完成，该模块需要和多媒体中心的实地网络进行相互通信</a:t>
-            </a:r>
-            <a:r>
-              <a:rPr lang="zh-CN" altLang="zh-CN" sz="2000" dirty="0" smtClean="0"/>
-              <a:t>，</a:t>
-            </a:r>
-            <a:r>
-              <a:rPr lang="zh-CN" altLang="en-US" sz="2000" dirty="0" smtClean="0"/>
-              <a:t>分析</a:t>
-            </a:r>
-            <a:r>
-              <a:rPr lang="zh-CN" altLang="zh-CN" sz="2000" dirty="0" smtClean="0"/>
-              <a:t>网络通信的相关协议</a:t>
-            </a:r>
-            <a:r>
-              <a:rPr lang="zh-CN" altLang="en-US" sz="2000" dirty="0" smtClean="0"/>
-              <a:t>以</a:t>
-            </a:r>
-            <a:r>
-              <a:rPr lang="zh-CN" altLang="zh-CN" sz="2000" dirty="0" smtClean="0"/>
-              <a:t>完</a:t>
-            </a:r>
-            <a:r>
-              <a:rPr lang="zh-CN" altLang="en-US" sz="2000" dirty="0" smtClean="0"/>
-              <a:t>成</a:t>
-            </a:r>
-            <a:r>
-              <a:rPr lang="zh-CN" altLang="zh-CN" sz="2000" dirty="0" smtClean="0"/>
-              <a:t>远程</a:t>
-            </a:r>
-            <a:r>
-              <a:rPr lang="zh-CN" altLang="zh-CN" sz="2000" dirty="0"/>
-              <a:t>控制模块。</a:t>
-            </a:r>
-          </a:p>
-          <a:p>
-            <a:pPr lvl="1"/>
-            <a:endParaRPr lang="en-US" altLang="zh-CN" dirty="0" smtClean="0"/>
-          </a:p>
-          <a:p>
-            <a:pPr lvl="1"/>
-            <a:endParaRPr lang="en-US" altLang="zh-CN" dirty="0"/>
-          </a:p>
-          <a:p>
+              <a:rPr lang="zh-CN" altLang="en-US" sz="2600" dirty="0" smtClean="0"/>
+              <a:t>紧急消息管理模块</a:t>
+            </a:r>
+            <a:endParaRPr lang="en-US" altLang="zh-CN" sz="2600" dirty="0"/>
+          </a:p>
+          <a:p>
+            <a:pPr marL="0" indent="0">
+              <a:buNone/>
+            </a:pPr>
             <a:endParaRPr lang="zh-CN" altLang="en-US" dirty="0"/>
           </a:p>
         </p:txBody>
       </p:sp>
-      <p:sp>
-        <p:nvSpPr>
-          <p:cNvPr id="5" name="标题 1"/>
+      <p:pic>
+        <p:nvPicPr>
+          <p:cNvPr id="4" name="图片 3"/>
+          <p:cNvPicPr>
+            <a:picLocks noChangeAspect="1"/>
+          </p:cNvPicPr>
+          <p:nvPr/>
+        </p:nvPicPr>
+        <p:blipFill>
+          <a:blip r:embed="rId2"/>
+          <a:stretch>
+            <a:fillRect/>
+          </a:stretch>
+        </p:blipFill>
+        <p:spPr>
+          <a:xfrm>
+            <a:off x="4807132" y="1290785"/>
+            <a:ext cx="6430871" cy="5180623"/>
+          </a:xfrm>
+          <a:prstGeom prst="rect">
+            <a:avLst/>
+          </a:prstGeom>
+        </p:spPr>
+      </p:pic>
+      <p:sp>
+        <p:nvSpPr>
+          <p:cNvPr id="6" name="标题 1"/>
           <p:cNvSpPr>
             <a:spLocks noGrp="1"/>
           </p:cNvSpPr>
@@ -9585,7 +9550,7 @@
     </p:spTree>
     <p:extLst>
       <p:ext uri="{BB962C8B-B14F-4D97-AF65-F5344CB8AC3E}">
-        <p14:creationId xmlns:p14="http://schemas.microsoft.com/office/powerpoint/2010/main" val="1799443936"/>
+        <p14:creationId xmlns:p14="http://schemas.microsoft.com/office/powerpoint/2010/main" val="3973349366"/>
       </p:ext>
     </p:extLst>
   </p:cSld>
@@ -9766,7 +9731,105 @@
       </p:grpSpPr>
       <p:sp>
         <p:nvSpPr>
-          <p:cNvPr id="2" name="标题 1"/>
+          <p:cNvPr id="3" name="内容占位符 2"/>
+          <p:cNvSpPr>
+            <a:spLocks noGrp="1"/>
+          </p:cNvSpPr>
+          <p:nvPr>
+            <p:ph idx="1"/>
+          </p:nvPr>
+        </p:nvSpPr>
+        <p:spPr>
+          <a:xfrm>
+            <a:off x="925875" y="1320801"/>
+            <a:ext cx="10639108" cy="5402216"/>
+          </a:xfrm>
+        </p:spPr>
+        <p:txBody>
+          <a:bodyPr/>
+          <a:lstStyle/>
+          <a:p>
+            <a:r>
+              <a:rPr lang="zh-CN" altLang="zh-CN" sz="2600" dirty="0" smtClean="0"/>
+              <a:t>远程</a:t>
+            </a:r>
+            <a:r>
+              <a:rPr lang="zh-CN" altLang="zh-CN" sz="2600" dirty="0"/>
+              <a:t>控制</a:t>
+            </a:r>
+            <a:r>
+              <a:rPr lang="zh-CN" altLang="zh-CN" sz="2600" dirty="0" smtClean="0"/>
+              <a:t>模块</a:t>
+            </a:r>
+            <a:endParaRPr lang="en-US" altLang="zh-CN" sz="2600" dirty="0" smtClean="0"/>
+          </a:p>
+          <a:p>
+            <a:pPr lvl="1"/>
+            <a:r>
+              <a:rPr lang="zh-CN" altLang="en-US" sz="2000" dirty="0" smtClean="0"/>
+              <a:t>提供与教室设备远程连接的功能，能够实时地获取远程教室的详细信息为管理者使用者提供更加逼真的使用体验。</a:t>
+            </a:r>
+            <a:endParaRPr lang="en-US" altLang="zh-CN" sz="2000" dirty="0" smtClean="0"/>
+          </a:p>
+          <a:p>
+            <a:pPr lvl="1"/>
+            <a:r>
+              <a:rPr lang="zh-CN" altLang="zh-CN" sz="2000" dirty="0" smtClean="0"/>
+              <a:t>远程</a:t>
+            </a:r>
+            <a:r>
+              <a:rPr lang="zh-CN" altLang="zh-CN" sz="2000" dirty="0"/>
+              <a:t>控制模块还未完成，该模块需要和多媒体中心的实地网络进行相互通信</a:t>
+            </a:r>
+            <a:r>
+              <a:rPr lang="zh-CN" altLang="zh-CN" sz="2000" dirty="0" smtClean="0"/>
+              <a:t>，</a:t>
+            </a:r>
+            <a:r>
+              <a:rPr lang="zh-CN" altLang="en-US" sz="2000" dirty="0" smtClean="0"/>
+              <a:t>分析</a:t>
+            </a:r>
+            <a:r>
+              <a:rPr lang="zh-CN" altLang="zh-CN" sz="2000" dirty="0" smtClean="0"/>
+              <a:t>网络通信的相关协议</a:t>
+            </a:r>
+            <a:r>
+              <a:rPr lang="zh-CN" altLang="en-US" sz="2000" dirty="0" smtClean="0"/>
+              <a:t>以</a:t>
+            </a:r>
+            <a:r>
+              <a:rPr lang="zh-CN" altLang="zh-CN" sz="2000" dirty="0" smtClean="0"/>
+              <a:t>完</a:t>
+            </a:r>
+            <a:r>
+              <a:rPr lang="zh-CN" altLang="en-US" sz="2000" dirty="0" smtClean="0"/>
+              <a:t>成</a:t>
+            </a:r>
+            <a:r>
+              <a:rPr lang="zh-CN" altLang="zh-CN" sz="2000" dirty="0" smtClean="0"/>
+              <a:t>远程</a:t>
+            </a:r>
+            <a:r>
+              <a:rPr lang="zh-CN" altLang="zh-CN" sz="2000" dirty="0"/>
+              <a:t>控制模块。</a:t>
+            </a:r>
+          </a:p>
+          <a:p>
+            <a:pPr lvl="1"/>
+            <a:endParaRPr lang="en-US" altLang="zh-CN" dirty="0" smtClean="0"/>
+          </a:p>
+          <a:p>
+            <a:pPr lvl="1"/>
+            <a:endParaRPr lang="en-US" altLang="zh-CN" dirty="0"/>
+          </a:p>
+          <a:p>
+            <a:endParaRPr lang="zh-CN" altLang="en-US" dirty="0"/>
+          </a:p>
+        </p:txBody>
+      </p:sp>
+      <p:sp>
+        <p:nvSpPr>
+          <p:cNvPr id="5" name="标题 1"/>
           <p:cNvSpPr>
             <a:spLocks noGrp="1"/>
           </p:cNvSpPr>
@@ -9786,139 +9849,20 @@
           <a:p>
             <a:r>
               <a:rPr lang="en-US" altLang="zh-CN" dirty="0" smtClean="0"/>
-              <a:t>4 </a:t>
+              <a:t>3 </a:t>
             </a:r>
             <a:r>
               <a:rPr lang="zh-CN" altLang="en-US" dirty="0" smtClean="0"/>
-              <a:t>基于引用计数的资源对象管理</a:t>
+              <a:t>研究方案</a:t>
             </a:r>
             <a:endParaRPr lang="zh-CN" altLang="en-US" b="1" dirty="0"/>
-          </a:p>
-        </p:txBody>
-      </p:sp>
-      <p:sp>
-        <p:nvSpPr>
-          <p:cNvPr id="10" name="矩形 9"/>
-          <p:cNvSpPr/>
-          <p:nvPr/>
-        </p:nvSpPr>
-        <p:spPr>
-          <a:xfrm>
-            <a:off x="0" y="2586182"/>
-            <a:ext cx="12192000" cy="1141087"/>
-          </a:xfrm>
-          <a:prstGeom prst="rect">
-            <a:avLst/>
-          </a:prstGeom>
-          <a:gradFill>
-            <a:gsLst>
-              <a:gs pos="22000">
-                <a:schemeClr val="accent1">
-                  <a:lumMod val="67000"/>
-                </a:schemeClr>
-              </a:gs>
-              <a:gs pos="64000">
-                <a:schemeClr val="accent1">
-                  <a:alpha val="90000"/>
-                  <a:lumMod val="70000"/>
-                  <a:lumOff val="30000"/>
-                </a:schemeClr>
-              </a:gs>
-              <a:gs pos="100000">
-                <a:schemeClr val="accent1">
-                  <a:lumMod val="60000"/>
-                  <a:lumOff val="40000"/>
-                </a:schemeClr>
-              </a:gs>
-            </a:gsLst>
-            <a:lin ang="10800000" scaled="1"/>
-          </a:gradFill>
-          <a:ln>
-            <a:noFill/>
-          </a:ln>
-        </p:spPr>
-        <p:style>
-          <a:lnRef idx="2">
-            <a:schemeClr val="accent1">
-              <a:shade val="50000"/>
-            </a:schemeClr>
-          </a:lnRef>
-          <a:fillRef idx="1">
-            <a:schemeClr val="accent1"/>
-          </a:fillRef>
-          <a:effectRef idx="0">
-            <a:schemeClr val="accent1"/>
-          </a:effectRef>
-          <a:fontRef idx="minor">
-            <a:schemeClr val="lt1"/>
-          </a:fontRef>
-        </p:style>
-        <p:txBody>
-          <a:bodyPr rtlCol="0" anchor="ctr"/>
-          <a:lstStyle/>
-          <a:p>
-            <a:pPr algn="r"/>
-            <a:r>
-              <a:rPr lang="zh-CN" altLang="en-US" sz="4400" dirty="0"/>
-              <a:t>基于引用计数的资源对象管理</a:t>
-            </a:r>
-            <a:endParaRPr lang="zh-CN" altLang="en-US" sz="4400" b="1" dirty="0"/>
-          </a:p>
-        </p:txBody>
-      </p:sp>
-      <p:sp>
-        <p:nvSpPr>
-          <p:cNvPr id="13" name="圆角矩形 12"/>
-          <p:cNvSpPr/>
-          <p:nvPr/>
-        </p:nvSpPr>
-        <p:spPr>
-          <a:xfrm>
-            <a:off x="0" y="2586183"/>
-            <a:ext cx="1163782" cy="1141086"/>
-          </a:xfrm>
-          <a:prstGeom prst="roundRect">
-            <a:avLst>
-              <a:gd name="adj" fmla="val 3414"/>
-            </a:avLst>
-          </a:prstGeom>
-          <a:ln>
-            <a:noFill/>
-          </a:ln>
-        </p:spPr>
-        <p:style>
-          <a:lnRef idx="2">
-            <a:schemeClr val="accent1">
-              <a:shade val="50000"/>
-            </a:schemeClr>
-          </a:lnRef>
-          <a:fillRef idx="1">
-            <a:schemeClr val="accent1"/>
-          </a:fillRef>
-          <a:effectRef idx="0">
-            <a:schemeClr val="accent1"/>
-          </a:effectRef>
-          <a:fontRef idx="minor">
-            <a:schemeClr val="lt1"/>
-          </a:fontRef>
-        </p:style>
-        <p:txBody>
-          <a:bodyPr rtlCol="0" anchor="ctr"/>
-          <a:lstStyle/>
-          <a:p>
-            <a:pPr algn="ctr"/>
-            <a:r>
-              <a:rPr lang="en-US" altLang="zh-CN" sz="6000" dirty="0"/>
-              <a:t>4</a:t>
-            </a:r>
-            <a:endParaRPr lang="zh-CN" altLang="en-US" sz="6000" dirty="0"/>
           </a:p>
         </p:txBody>
       </p:sp>
     </p:spTree>
     <p:extLst>
       <p:ext uri="{BB962C8B-B14F-4D97-AF65-F5344CB8AC3E}">
-        <p14:creationId xmlns:p14="http://schemas.microsoft.com/office/powerpoint/2010/main" val="2564900894"/>
+        <p14:creationId xmlns:p14="http://schemas.microsoft.com/office/powerpoint/2010/main" val="1799443936"/>
       </p:ext>
     </p:extLst>
   </p:cSld>
@@ -9954,163 +9898,159 @@
       </p:grpSpPr>
       <p:sp>
         <p:nvSpPr>
-          <p:cNvPr id="4" name="内容占位符 3"/>
-          <p:cNvSpPr>
-            <a:spLocks noGrp="1"/>
-          </p:cNvSpPr>
-          <p:nvPr>
-            <p:ph idx="1"/>
+          <p:cNvPr id="2" name="标题 1"/>
+          <p:cNvSpPr>
+            <a:spLocks noGrp="1"/>
+          </p:cNvSpPr>
+          <p:nvPr>
+            <p:ph type="title"/>
           </p:nvPr>
         </p:nvSpPr>
         <p:spPr>
           <a:xfrm>
-            <a:off x="496390" y="1320801"/>
-            <a:ext cx="3413760" cy="4856162"/>
-          </a:xfrm>
-        </p:spPr>
-        <p:txBody>
-          <a:bodyPr>
-            <a:normAutofit/>
-          </a:bodyPr>
+            <a:off x="1616363" y="627755"/>
+            <a:ext cx="9791265" cy="693046"/>
+          </a:xfrm>
+        </p:spPr>
+        <p:txBody>
+          <a:bodyPr/>
           <a:lstStyle/>
           <a:p>
             <a:r>
-              <a:rPr lang="en-US" altLang="zh-CN" sz="2000" dirty="0" smtClean="0"/>
-              <a:t>M</a:t>
-            </a:r>
-            <a:r>
-              <a:rPr lang="zh-CN" altLang="en-US" sz="2000" dirty="0"/>
-              <a:t>张</a:t>
-            </a:r>
-            <a:r>
-              <a:rPr lang="zh-CN" altLang="en-US" sz="2000" dirty="0" smtClean="0"/>
-              <a:t>图片</a:t>
-            </a:r>
-            <a:endParaRPr lang="en-US" altLang="zh-CN" sz="2000" dirty="0" smtClean="0"/>
-          </a:p>
-          <a:p>
-            <a:r>
-              <a:rPr lang="en-US" altLang="zh-CN" sz="2000" dirty="0" smtClean="0"/>
-              <a:t>N</a:t>
-            </a:r>
-            <a:r>
-              <a:rPr lang="zh-CN" altLang="en-US" sz="2000" dirty="0"/>
-              <a:t>个</a:t>
-            </a:r>
-            <a:r>
-              <a:rPr lang="zh-CN" altLang="en-US" sz="2000" dirty="0" smtClean="0"/>
-              <a:t>教室</a:t>
-            </a:r>
-            <a:endParaRPr lang="en-US" altLang="zh-CN" sz="2000" dirty="0" smtClean="0"/>
-          </a:p>
-          <a:p>
-            <a:r>
-              <a:rPr lang="zh-CN" altLang="en-US" sz="2000" dirty="0" smtClean="0"/>
-              <a:t>需要</a:t>
-            </a:r>
-            <a:r>
-              <a:rPr lang="zh-CN" altLang="en-US" sz="2000" dirty="0"/>
-              <a:t>将</a:t>
-            </a:r>
-            <a:r>
-              <a:rPr lang="en-US" altLang="zh-CN" sz="2000" dirty="0" smtClean="0"/>
-              <a:t>M</a:t>
-            </a:r>
-            <a:r>
-              <a:rPr lang="zh-CN" altLang="en-US" sz="2000" dirty="0" smtClean="0"/>
-              <a:t>张图片</a:t>
-            </a:r>
-            <a:r>
-              <a:rPr lang="zh-CN" altLang="en-US" sz="2000" dirty="0"/>
-              <a:t>复制</a:t>
-            </a:r>
-            <a:r>
-              <a:rPr lang="en-US" altLang="zh-CN" sz="2000" dirty="0"/>
-              <a:t>N</a:t>
-            </a:r>
-            <a:r>
-              <a:rPr lang="zh-CN" altLang="en-US" sz="2000" dirty="0"/>
-              <a:t>份</a:t>
-            </a:r>
-            <a:endParaRPr lang="en-US" altLang="zh-CN" sz="2000" dirty="0"/>
-          </a:p>
-          <a:p>
-            <a:r>
-              <a:rPr lang="zh-CN" altLang="zh-CN" sz="2000" dirty="0" smtClean="0"/>
-              <a:t>耗费时间</a:t>
-            </a:r>
-            <a:r>
-              <a:rPr lang="zh-CN" altLang="en-US" sz="2000" dirty="0"/>
-              <a:t>、</a:t>
-            </a:r>
-            <a:r>
-              <a:rPr lang="zh-CN" altLang="zh-CN" sz="2000" dirty="0" smtClean="0"/>
-              <a:t>空间资源过多</a:t>
-            </a:r>
-            <a:endParaRPr lang="zh-CN" altLang="en-US" sz="2000" dirty="0"/>
-          </a:p>
-        </p:txBody>
-      </p:sp>
-      <p:pic>
-        <p:nvPicPr>
-          <p:cNvPr id="5" name="图片 4"/>
-          <p:cNvPicPr>
-            <a:picLocks noChangeAspect="1"/>
-          </p:cNvPicPr>
+              <a:rPr lang="en-US" altLang="zh-CN" dirty="0" smtClean="0"/>
+              <a:t>4 </a:t>
+            </a:r>
+            <a:r>
+              <a:rPr lang="zh-CN" altLang="en-US" dirty="0" smtClean="0"/>
+              <a:t>基于引用计数的资源对象管理</a:t>
+            </a:r>
+            <a:endParaRPr lang="zh-CN" altLang="en-US" b="1" dirty="0"/>
+          </a:p>
+        </p:txBody>
+      </p:sp>
+      <p:sp>
+        <p:nvSpPr>
+          <p:cNvPr id="10" name="矩形 9"/>
+          <p:cNvSpPr/>
           <p:nvPr/>
-        </p:nvPicPr>
-        <p:blipFill>
-          <a:blip r:embed="rId2"/>
-          <a:stretch>
-            <a:fillRect/>
-          </a:stretch>
-        </p:blipFill>
+        </p:nvSpPr>
         <p:spPr>
           <a:xfrm>
-            <a:off x="3984952" y="1320801"/>
-            <a:ext cx="8207048" cy="4759958"/>
+            <a:off x="0" y="2586182"/>
+            <a:ext cx="12192000" cy="1141087"/>
           </a:xfrm>
           <a:prstGeom prst="rect">
             <a:avLst/>
           </a:prstGeom>
-        </p:spPr>
-      </p:pic>
-      <p:sp>
-        <p:nvSpPr>
-          <p:cNvPr id="6" name="标题 1"/>
-          <p:cNvSpPr>
-            <a:spLocks noGrp="1"/>
-          </p:cNvSpPr>
-          <p:nvPr>
-            <p:ph type="title"/>
-          </p:nvPr>
+          <a:gradFill>
+            <a:gsLst>
+              <a:gs pos="22000">
+                <a:schemeClr val="accent1">
+                  <a:lumMod val="67000"/>
+                </a:schemeClr>
+              </a:gs>
+              <a:gs pos="64000">
+                <a:schemeClr val="accent1">
+                  <a:alpha val="90000"/>
+                  <a:lumMod val="70000"/>
+                  <a:lumOff val="30000"/>
+                </a:schemeClr>
+              </a:gs>
+              <a:gs pos="100000">
+                <a:schemeClr val="accent1">
+                  <a:lumMod val="60000"/>
+                  <a:lumOff val="40000"/>
+                </a:schemeClr>
+              </a:gs>
+            </a:gsLst>
+            <a:lin ang="10800000" scaled="1"/>
+          </a:gradFill>
+          <a:ln>
+            <a:noFill/>
+          </a:ln>
+        </p:spPr>
+        <p:style>
+          <a:lnRef idx="2">
+            <a:schemeClr val="accent1">
+              <a:shade val="50000"/>
+            </a:schemeClr>
+          </a:lnRef>
+          <a:fillRef idx="1">
+            <a:schemeClr val="accent1"/>
+          </a:fillRef>
+          <a:effectRef idx="0">
+            <a:schemeClr val="accent1"/>
+          </a:effectRef>
+          <a:fontRef idx="minor">
+            <a:schemeClr val="lt1"/>
+          </a:fontRef>
+        </p:style>
+        <p:txBody>
+          <a:bodyPr rtlCol="0" anchor="ctr"/>
+          <a:lstStyle/>
+          <a:p>
+            <a:pPr algn="r"/>
+            <a:r>
+              <a:rPr lang="zh-CN" altLang="en-US" sz="4400" dirty="0"/>
+              <a:t>基于引用计数的资源对象管理</a:t>
+            </a:r>
+            <a:endParaRPr lang="zh-CN" altLang="en-US" sz="4400" b="1" dirty="0"/>
+          </a:p>
+        </p:txBody>
+      </p:sp>
+      <p:sp>
+        <p:nvSpPr>
+          <p:cNvPr id="13" name="圆角矩形 12"/>
+          <p:cNvSpPr/>
+          <p:nvPr/>
         </p:nvSpPr>
         <p:spPr>
           <a:xfrm>
-            <a:off x="1616363" y="627755"/>
-            <a:ext cx="9791265" cy="693046"/>
-          </a:xfrm>
-        </p:spPr>
-        <p:txBody>
-          <a:bodyPr/>
+            <a:off x="0" y="2586183"/>
+            <a:ext cx="1163782" cy="1141086"/>
+          </a:xfrm>
+          <a:prstGeom prst="roundRect">
+            <a:avLst>
+              <a:gd name="adj" fmla="val 3414"/>
+            </a:avLst>
+          </a:prstGeom>
+          <a:ln>
+            <a:noFill/>
+          </a:ln>
+        </p:spPr>
+        <p:style>
+          <a:lnRef idx="2">
+            <a:schemeClr val="accent1">
+              <a:shade val="50000"/>
+            </a:schemeClr>
+          </a:lnRef>
+          <a:fillRef idx="1">
+            <a:schemeClr val="accent1"/>
+          </a:fillRef>
+          <a:effectRef idx="0">
+            <a:schemeClr val="accent1"/>
+          </a:effectRef>
+          <a:fontRef idx="minor">
+            <a:schemeClr val="lt1"/>
+          </a:fontRef>
+        </p:style>
+        <p:txBody>
+          <a:bodyPr rtlCol="0" anchor="ctr"/>
           <a:lstStyle/>
           <a:p>
-            <a:r>
-              <a:rPr lang="en-US" altLang="zh-CN" dirty="0" smtClean="0"/>
-              <a:t>4 </a:t>
-            </a:r>
-            <a:r>
-              <a:rPr lang="zh-CN" altLang="en-US" dirty="0" smtClean="0"/>
-              <a:t>基于引用计数的资源对象管理</a:t>
-            </a:r>
-            <a:endParaRPr lang="zh-CN" altLang="en-US" b="1" dirty="0"/>
+            <a:pPr algn="ctr"/>
+            <a:r>
+              <a:rPr lang="en-US" altLang="zh-CN" sz="6000" dirty="0"/>
+              <a:t>4</a:t>
+            </a:r>
+            <a:endParaRPr lang="zh-CN" altLang="en-US" sz="6000" dirty="0"/>
           </a:p>
         </p:txBody>
       </p:sp>
     </p:spTree>
     <p:extLst>
       <p:ext uri="{BB962C8B-B14F-4D97-AF65-F5344CB8AC3E}">
-        <p14:creationId xmlns:p14="http://schemas.microsoft.com/office/powerpoint/2010/main" val="3811538722"/>
+        <p14:creationId xmlns:p14="http://schemas.microsoft.com/office/powerpoint/2010/main" val="2564900894"/>
       </p:ext>
     </p:extLst>
   </p:cSld>
@@ -10146,7 +10086,7 @@
       </p:grpSpPr>
       <p:sp>
         <p:nvSpPr>
-          <p:cNvPr id="8" name="内容占位符 7"/>
+          <p:cNvPr id="4" name="内容占位符 3"/>
           <p:cNvSpPr>
             <a:spLocks noGrp="1"/>
           </p:cNvSpPr>
@@ -10156,8 +10096,8 @@
         </p:nvSpPr>
         <p:spPr>
           <a:xfrm>
-            <a:off x="757646" y="1320801"/>
-            <a:ext cx="3971108" cy="4590421"/>
+            <a:off x="496390" y="1320801"/>
+            <a:ext cx="3413760" cy="4856162"/>
           </a:xfrm>
         </p:spPr>
         <p:txBody>
@@ -10167,16 +10107,85 @@
           <a:lstStyle/>
           <a:p>
             <a:r>
-              <a:rPr lang="zh-CN" altLang="en-US" sz="2600" dirty="0" smtClean="0"/>
-              <a:t>引用计数基本原理</a:t>
-            </a:r>
-            <a:endParaRPr lang="zh-CN" altLang="en-US" sz="2600" dirty="0"/>
+              <a:rPr lang="en-US" altLang="zh-CN" sz="2000" dirty="0" smtClean="0"/>
+              <a:t>M</a:t>
+            </a:r>
+            <a:r>
+              <a:rPr lang="zh-CN" altLang="en-US" sz="2000" dirty="0"/>
+              <a:t>张</a:t>
+            </a:r>
+            <a:r>
+              <a:rPr lang="zh-CN" altLang="en-US" sz="2000" dirty="0" smtClean="0"/>
+              <a:t>图片</a:t>
+            </a:r>
+            <a:endParaRPr lang="en-US" altLang="zh-CN" sz="2000" dirty="0" smtClean="0"/>
+          </a:p>
+          <a:p>
+            <a:r>
+              <a:rPr lang="en-US" altLang="zh-CN" sz="2000" dirty="0" smtClean="0"/>
+              <a:t>N</a:t>
+            </a:r>
+            <a:r>
+              <a:rPr lang="zh-CN" altLang="en-US" sz="2000" dirty="0"/>
+              <a:t>个</a:t>
+            </a:r>
+            <a:r>
+              <a:rPr lang="zh-CN" altLang="en-US" sz="2000" dirty="0" smtClean="0"/>
+              <a:t>教室</a:t>
+            </a:r>
+            <a:endParaRPr lang="en-US" altLang="zh-CN" sz="2000" dirty="0" smtClean="0"/>
+          </a:p>
+          <a:p>
+            <a:r>
+              <a:rPr lang="zh-CN" altLang="en-US" sz="2000" dirty="0" smtClean="0"/>
+              <a:t>需要</a:t>
+            </a:r>
+            <a:r>
+              <a:rPr lang="zh-CN" altLang="en-US" sz="2000" dirty="0"/>
+              <a:t>将</a:t>
+            </a:r>
+            <a:r>
+              <a:rPr lang="en-US" altLang="zh-CN" sz="2000" dirty="0" smtClean="0"/>
+              <a:t>M</a:t>
+            </a:r>
+            <a:r>
+              <a:rPr lang="zh-CN" altLang="en-US" sz="2000" dirty="0" smtClean="0"/>
+              <a:t>张图片</a:t>
+            </a:r>
+            <a:r>
+              <a:rPr lang="zh-CN" altLang="en-US" sz="2000" dirty="0"/>
+              <a:t>复制</a:t>
+            </a:r>
+            <a:r>
+              <a:rPr lang="en-US" altLang="zh-CN" sz="2000" dirty="0"/>
+              <a:t>N</a:t>
+            </a:r>
+            <a:r>
+              <a:rPr lang="zh-CN" altLang="en-US" sz="2000" dirty="0"/>
+              <a:t>份</a:t>
+            </a:r>
+            <a:endParaRPr lang="en-US" altLang="zh-CN" sz="2000" dirty="0"/>
+          </a:p>
+          <a:p>
+            <a:r>
+              <a:rPr lang="zh-CN" altLang="zh-CN" sz="2000" dirty="0" smtClean="0"/>
+              <a:t>耗费时间</a:t>
+            </a:r>
+            <a:r>
+              <a:rPr lang="zh-CN" altLang="en-US" sz="2000" dirty="0"/>
+              <a:t>、</a:t>
+            </a:r>
+            <a:r>
+              <a:rPr lang="zh-CN" altLang="zh-CN" sz="2000" dirty="0" smtClean="0"/>
+              <a:t>空间资源过多</a:t>
+            </a:r>
+            <a:endParaRPr lang="zh-CN" altLang="en-US" sz="2000" dirty="0"/>
           </a:p>
         </p:txBody>
       </p:sp>
       <p:pic>
         <p:nvPicPr>
-          <p:cNvPr id="9" name="图片 8"/>
+          <p:cNvPr id="5" name="图片 4"/>
           <p:cNvPicPr>
             <a:picLocks noChangeAspect="1"/>
           </p:cNvPicPr>
@@ -10190,8 +10199,8 @@
         </p:blipFill>
         <p:spPr>
           <a:xfrm>
-            <a:off x="4833429" y="1289843"/>
-            <a:ext cx="6600751" cy="5422901"/>
+            <a:off x="3984952" y="1320801"/>
+            <a:ext cx="8207048" cy="4759958"/>
           </a:xfrm>
           <a:prstGeom prst="rect">
             <a:avLst/>
@@ -10233,7 +10242,7 @@
     </p:spTree>
     <p:extLst>
       <p:ext uri="{BB962C8B-B14F-4D97-AF65-F5344CB8AC3E}">
-        <p14:creationId xmlns:p14="http://schemas.microsoft.com/office/powerpoint/2010/main" val="1146951525"/>
+        <p14:creationId xmlns:p14="http://schemas.microsoft.com/office/powerpoint/2010/main" val="3811538722"/>
       </p:ext>
     </p:extLst>
   </p:cSld>
@@ -10279,8 +10288,8 @@
         </p:nvSpPr>
         <p:spPr>
           <a:xfrm>
-            <a:off x="391887" y="1825624"/>
-            <a:ext cx="3450268" cy="4351338"/>
+            <a:off x="757646" y="1320801"/>
+            <a:ext cx="3971108" cy="4590421"/>
           </a:xfrm>
         </p:spPr>
         <p:txBody>
@@ -10290,48 +10299,16 @@
           <a:lstStyle/>
           <a:p>
             <a:r>
-              <a:rPr lang="zh-CN" altLang="en-US" sz="2000" dirty="0" smtClean="0"/>
-              <a:t>引用计数在本系统中应用</a:t>
-            </a:r>
-            <a:endParaRPr lang="zh-CN" altLang="en-US" sz="2000" dirty="0"/>
-          </a:p>
-        </p:txBody>
-      </p:sp>
-      <p:sp>
-        <p:nvSpPr>
-          <p:cNvPr id="6" name="标题 1"/>
-          <p:cNvSpPr>
-            <a:spLocks noGrp="1"/>
-          </p:cNvSpPr>
-          <p:nvPr>
-            <p:ph type="title"/>
-          </p:nvPr>
-        </p:nvSpPr>
-        <p:spPr>
-          <a:xfrm>
-            <a:off x="1616363" y="627755"/>
-            <a:ext cx="9791265" cy="693046"/>
-          </a:xfrm>
-        </p:spPr>
-        <p:txBody>
-          <a:bodyPr/>
-          <a:lstStyle/>
-          <a:p>
-            <a:r>
-              <a:rPr lang="en-US" altLang="zh-CN" dirty="0" smtClean="0"/>
-              <a:t>4 </a:t>
-            </a:r>
-            <a:r>
-              <a:rPr lang="zh-CN" altLang="en-US" dirty="0" smtClean="0"/>
-              <a:t>基于引用计数的资源对象管理</a:t>
-            </a:r>
-            <a:endParaRPr lang="zh-CN" altLang="en-US" b="1" dirty="0"/>
+              <a:rPr lang="zh-CN" altLang="en-US" sz="2600" dirty="0" smtClean="0"/>
+              <a:t>引用计数基本原理</a:t>
+            </a:r>
+            <a:endParaRPr lang="zh-CN" altLang="en-US" sz="2600" dirty="0"/>
           </a:p>
         </p:txBody>
       </p:sp>
       <p:pic>
         <p:nvPicPr>
-          <p:cNvPr id="2" name="图片 1"/>
+          <p:cNvPr id="9" name="图片 8"/>
           <p:cNvPicPr>
             <a:picLocks noChangeAspect="1"/>
           </p:cNvPicPr>
@@ -10345,18 +10322,50 @@
         </p:blipFill>
         <p:spPr>
           <a:xfrm>
-            <a:off x="3656887" y="1320801"/>
-            <a:ext cx="6689607" cy="5422901"/>
+            <a:off x="4833429" y="1289843"/>
+            <a:ext cx="6600751" cy="5422901"/>
           </a:xfrm>
           <a:prstGeom prst="rect">
             <a:avLst/>
           </a:prstGeom>
         </p:spPr>
       </p:pic>
+      <p:sp>
+        <p:nvSpPr>
+          <p:cNvPr id="6" name="标题 1"/>
+          <p:cNvSpPr>
+            <a:spLocks noGrp="1"/>
+          </p:cNvSpPr>
+          <p:nvPr>
+            <p:ph type="title"/>
+          </p:nvPr>
+        </p:nvSpPr>
+        <p:spPr>
+          <a:xfrm>
+            <a:off x="1616363" y="627755"/>
+            <a:ext cx="9791265" cy="693046"/>
+          </a:xfrm>
+        </p:spPr>
+        <p:txBody>
+          <a:bodyPr/>
+          <a:lstStyle/>
+          <a:p>
+            <a:r>
+              <a:rPr lang="en-US" altLang="zh-CN" dirty="0" smtClean="0"/>
+              <a:t>4 </a:t>
+            </a:r>
+            <a:r>
+              <a:rPr lang="zh-CN" altLang="en-US" dirty="0" smtClean="0"/>
+              <a:t>基于引用计数的资源对象管理</a:t>
+            </a:r>
+            <a:endParaRPr lang="zh-CN" altLang="en-US" b="1" dirty="0"/>
+          </a:p>
+        </p:txBody>
+      </p:sp>
     </p:spTree>
     <p:extLst>
       <p:ext uri="{BB962C8B-B14F-4D97-AF65-F5344CB8AC3E}">
-        <p14:creationId xmlns:p14="http://schemas.microsoft.com/office/powerpoint/2010/main" val="773553434"/>
+        <p14:creationId xmlns:p14="http://schemas.microsoft.com/office/powerpoint/2010/main" val="1146951525"/>
       </p:ext>
     </p:extLst>
   </p:cSld>
@@ -10392,7 +10401,37 @@
       </p:grpSpPr>
       <p:sp>
         <p:nvSpPr>
-          <p:cNvPr id="2" name="标题 1"/>
+          <p:cNvPr id="8" name="内容占位符 7"/>
+          <p:cNvSpPr>
+            <a:spLocks noGrp="1"/>
+          </p:cNvSpPr>
+          <p:nvPr>
+            <p:ph idx="1"/>
+          </p:nvPr>
+        </p:nvSpPr>
+        <p:spPr>
+          <a:xfrm>
+            <a:off x="731521" y="1320801"/>
+            <a:ext cx="4232364" cy="4879702"/>
+          </a:xfrm>
+        </p:spPr>
+        <p:txBody>
+          <a:bodyPr>
+            <a:normAutofit/>
+          </a:bodyPr>
+          <a:lstStyle/>
+          <a:p>
+            <a:r>
+              <a:rPr lang="zh-CN" altLang="en-US" sz="2600" dirty="0" smtClean="0"/>
+              <a:t>引用计数在本系统中应用</a:t>
+            </a:r>
+            <a:endParaRPr lang="zh-CN" altLang="en-US" sz="2600" dirty="0"/>
+          </a:p>
+        </p:txBody>
+      </p:sp>
+      <p:sp>
+        <p:nvSpPr>
+          <p:cNvPr id="6" name="标题 1"/>
           <p:cNvSpPr>
             <a:spLocks noGrp="1"/>
           </p:cNvSpPr>
@@ -10412,139 +10451,44 @@
           <a:p>
             <a:r>
               <a:rPr lang="en-US" altLang="zh-CN" dirty="0" smtClean="0"/>
-              <a:t>5 </a:t>
+              <a:t>4 </a:t>
             </a:r>
             <a:r>
               <a:rPr lang="zh-CN" altLang="en-US" dirty="0" smtClean="0"/>
-              <a:t>后续工作设想</a:t>
+              <a:t>基于引用计数的资源对象管理</a:t>
             </a:r>
             <a:endParaRPr lang="zh-CN" altLang="en-US" b="1" dirty="0"/>
           </a:p>
         </p:txBody>
       </p:sp>
-      <p:sp>
-        <p:nvSpPr>
-          <p:cNvPr id="10" name="矩形 9"/>
-          <p:cNvSpPr/>
+      <p:pic>
+        <p:nvPicPr>
+          <p:cNvPr id="2" name="图片 1"/>
+          <p:cNvPicPr>
+            <a:picLocks noChangeAspect="1"/>
+          </p:cNvPicPr>
           <p:nvPr/>
-        </p:nvSpPr>
+        </p:nvPicPr>
+        <p:blipFill>
+          <a:blip r:embed="rId2"/>
+          <a:stretch>
+            <a:fillRect/>
+          </a:stretch>
+        </p:blipFill>
         <p:spPr>
           <a:xfrm>
-            <a:off x="0" y="2586182"/>
-            <a:ext cx="12192000" cy="1141087"/>
+            <a:off x="5076383" y="1320801"/>
+            <a:ext cx="6689607" cy="5422901"/>
           </a:xfrm>
           <a:prstGeom prst="rect">
             <a:avLst/>
           </a:prstGeom>
-          <a:gradFill>
-            <a:gsLst>
-              <a:gs pos="22000">
-                <a:schemeClr val="accent1">
-                  <a:lumMod val="67000"/>
-                </a:schemeClr>
-              </a:gs>
-              <a:gs pos="64000">
-                <a:schemeClr val="accent1">
-                  <a:alpha val="90000"/>
-                  <a:lumMod val="70000"/>
-                  <a:lumOff val="30000"/>
-                </a:schemeClr>
-              </a:gs>
-              <a:gs pos="100000">
-                <a:schemeClr val="accent1">
-                  <a:lumMod val="60000"/>
-                  <a:lumOff val="40000"/>
-                </a:schemeClr>
-              </a:gs>
-            </a:gsLst>
-            <a:lin ang="10800000" scaled="1"/>
-          </a:gradFill>
-          <a:ln>
-            <a:noFill/>
-          </a:ln>
-        </p:spPr>
-        <p:style>
-          <a:lnRef idx="2">
-            <a:schemeClr val="accent1">
-              <a:shade val="50000"/>
-            </a:schemeClr>
-          </a:lnRef>
-          <a:fillRef idx="1">
-            <a:schemeClr val="accent1"/>
-          </a:fillRef>
-          <a:effectRef idx="0">
-            <a:schemeClr val="accent1"/>
-          </a:effectRef>
-          <a:fontRef idx="minor">
-            <a:schemeClr val="lt1"/>
-          </a:fontRef>
-        </p:style>
-        <p:txBody>
-          <a:bodyPr rtlCol="0" anchor="ctr"/>
-          <a:lstStyle/>
-          <a:p>
-            <a:pPr algn="r"/>
-            <a:r>
-              <a:rPr lang="zh-CN" altLang="en-US" sz="4400" dirty="0"/>
-              <a:t>后续工作设想</a:t>
-            </a:r>
-            <a:endParaRPr lang="zh-CN" altLang="en-US" sz="4400" b="1" dirty="0"/>
-          </a:p>
-        </p:txBody>
-      </p:sp>
-      <p:sp>
-        <p:nvSpPr>
-          <p:cNvPr id="13" name="圆角矩形 12"/>
-          <p:cNvSpPr/>
-          <p:nvPr/>
-        </p:nvSpPr>
-        <p:spPr>
-          <a:xfrm>
-            <a:off x="0" y="2586183"/>
-            <a:ext cx="1163782" cy="1141086"/>
-          </a:xfrm>
-          <a:prstGeom prst="roundRect">
-            <a:avLst>
-              <a:gd name="adj" fmla="val 3414"/>
-            </a:avLst>
-          </a:prstGeom>
-          <a:ln>
-            <a:noFill/>
-          </a:ln>
-        </p:spPr>
-        <p:style>
-          <a:lnRef idx="2">
-            <a:schemeClr val="accent1">
-              <a:shade val="50000"/>
-            </a:schemeClr>
-          </a:lnRef>
-          <a:fillRef idx="1">
-            <a:schemeClr val="accent1"/>
-          </a:fillRef>
-          <a:effectRef idx="0">
-            <a:schemeClr val="accent1"/>
-          </a:effectRef>
-          <a:fontRef idx="minor">
-            <a:schemeClr val="lt1"/>
-          </a:fontRef>
-        </p:style>
-        <p:txBody>
-          <a:bodyPr rtlCol="0" anchor="ctr"/>
-          <a:lstStyle/>
-          <a:p>
-            <a:pPr algn="ctr"/>
-            <a:r>
-              <a:rPr lang="en-US" altLang="zh-CN" sz="6000" dirty="0" smtClean="0"/>
-              <a:t>5</a:t>
-            </a:r>
-            <a:endParaRPr lang="zh-CN" altLang="en-US" sz="6000" dirty="0"/>
-          </a:p>
-        </p:txBody>
-      </p:sp>
+        </p:spPr>
+      </p:pic>
     </p:spTree>
     <p:extLst>
       <p:ext uri="{BB962C8B-B14F-4D97-AF65-F5344CB8AC3E}">
-        <p14:creationId xmlns:p14="http://schemas.microsoft.com/office/powerpoint/2010/main" val="1701915007"/>
+        <p14:creationId xmlns:p14="http://schemas.microsoft.com/office/powerpoint/2010/main" val="773553434"/>
       </p:ext>
     </p:extLst>
   </p:cSld>
@@ -10580,6 +10524,194 @@
       </p:grpSpPr>
       <p:sp>
         <p:nvSpPr>
+          <p:cNvPr id="2" name="标题 1"/>
+          <p:cNvSpPr>
+            <a:spLocks noGrp="1"/>
+          </p:cNvSpPr>
+          <p:nvPr>
+            <p:ph type="title"/>
+          </p:nvPr>
+        </p:nvSpPr>
+        <p:spPr>
+          <a:xfrm>
+            <a:off x="1616363" y="627755"/>
+            <a:ext cx="9791265" cy="693046"/>
+          </a:xfrm>
+        </p:spPr>
+        <p:txBody>
+          <a:bodyPr/>
+          <a:lstStyle/>
+          <a:p>
+            <a:r>
+              <a:rPr lang="en-US" altLang="zh-CN" dirty="0" smtClean="0"/>
+              <a:t>5 </a:t>
+            </a:r>
+            <a:r>
+              <a:rPr lang="zh-CN" altLang="en-US" dirty="0" smtClean="0"/>
+              <a:t>后续工作设想</a:t>
+            </a:r>
+            <a:endParaRPr lang="zh-CN" altLang="en-US" b="1" dirty="0"/>
+          </a:p>
+        </p:txBody>
+      </p:sp>
+      <p:sp>
+        <p:nvSpPr>
+          <p:cNvPr id="10" name="矩形 9"/>
+          <p:cNvSpPr/>
+          <p:nvPr/>
+        </p:nvSpPr>
+        <p:spPr>
+          <a:xfrm>
+            <a:off x="0" y="2586182"/>
+            <a:ext cx="12192000" cy="1141087"/>
+          </a:xfrm>
+          <a:prstGeom prst="rect">
+            <a:avLst/>
+          </a:prstGeom>
+          <a:gradFill>
+            <a:gsLst>
+              <a:gs pos="22000">
+                <a:schemeClr val="accent1">
+                  <a:lumMod val="67000"/>
+                </a:schemeClr>
+              </a:gs>
+              <a:gs pos="64000">
+                <a:schemeClr val="accent1">
+                  <a:alpha val="90000"/>
+                  <a:lumMod val="70000"/>
+                  <a:lumOff val="30000"/>
+                </a:schemeClr>
+              </a:gs>
+              <a:gs pos="100000">
+                <a:schemeClr val="accent1">
+                  <a:lumMod val="60000"/>
+                  <a:lumOff val="40000"/>
+                </a:schemeClr>
+              </a:gs>
+            </a:gsLst>
+            <a:lin ang="10800000" scaled="1"/>
+          </a:gradFill>
+          <a:ln>
+            <a:noFill/>
+          </a:ln>
+        </p:spPr>
+        <p:style>
+          <a:lnRef idx="2">
+            <a:schemeClr val="accent1">
+              <a:shade val="50000"/>
+            </a:schemeClr>
+          </a:lnRef>
+          <a:fillRef idx="1">
+            <a:schemeClr val="accent1"/>
+          </a:fillRef>
+          <a:effectRef idx="0">
+            <a:schemeClr val="accent1"/>
+          </a:effectRef>
+          <a:fontRef idx="minor">
+            <a:schemeClr val="lt1"/>
+          </a:fontRef>
+        </p:style>
+        <p:txBody>
+          <a:bodyPr rtlCol="0" anchor="ctr"/>
+          <a:lstStyle/>
+          <a:p>
+            <a:pPr algn="r"/>
+            <a:r>
+              <a:rPr lang="zh-CN" altLang="en-US" sz="4400" dirty="0"/>
+              <a:t>后续工作设想</a:t>
+            </a:r>
+            <a:endParaRPr lang="zh-CN" altLang="en-US" sz="4400" b="1" dirty="0"/>
+          </a:p>
+        </p:txBody>
+      </p:sp>
+      <p:sp>
+        <p:nvSpPr>
+          <p:cNvPr id="13" name="圆角矩形 12"/>
+          <p:cNvSpPr/>
+          <p:nvPr/>
+        </p:nvSpPr>
+        <p:spPr>
+          <a:xfrm>
+            <a:off x="0" y="2586183"/>
+            <a:ext cx="1163782" cy="1141086"/>
+          </a:xfrm>
+          <a:prstGeom prst="roundRect">
+            <a:avLst>
+              <a:gd name="adj" fmla="val 3414"/>
+            </a:avLst>
+          </a:prstGeom>
+          <a:ln>
+            <a:noFill/>
+          </a:ln>
+        </p:spPr>
+        <p:style>
+          <a:lnRef idx="2">
+            <a:schemeClr val="accent1">
+              <a:shade val="50000"/>
+            </a:schemeClr>
+          </a:lnRef>
+          <a:fillRef idx="1">
+            <a:schemeClr val="accent1"/>
+          </a:fillRef>
+          <a:effectRef idx="0">
+            <a:schemeClr val="accent1"/>
+          </a:effectRef>
+          <a:fontRef idx="minor">
+            <a:schemeClr val="lt1"/>
+          </a:fontRef>
+        </p:style>
+        <p:txBody>
+          <a:bodyPr rtlCol="0" anchor="ctr"/>
+          <a:lstStyle/>
+          <a:p>
+            <a:pPr algn="ctr"/>
+            <a:r>
+              <a:rPr lang="en-US" altLang="zh-CN" sz="6000" dirty="0" smtClean="0"/>
+              <a:t>5</a:t>
+            </a:r>
+            <a:endParaRPr lang="zh-CN" altLang="en-US" sz="6000" dirty="0"/>
+          </a:p>
+        </p:txBody>
+      </p:sp>
+    </p:spTree>
+    <p:extLst>
+      <p:ext uri="{BB962C8B-B14F-4D97-AF65-F5344CB8AC3E}">
+        <p14:creationId xmlns:p14="http://schemas.microsoft.com/office/powerpoint/2010/main" val="1701915007"/>
+      </p:ext>
+    </p:extLst>
+  </p:cSld>
+  <p:clrMapOvr>
+    <a:masterClrMapping/>
+  </p:clrMapOvr>
+  <p:timing>
+    <p:tnLst>
+      <p:par>
+        <p:cTn id="1" dur="indefinite" restart="never" nodeType="tmRoot"/>
+      </p:par>
+    </p:tnLst>
+  </p:timing>
+</p:sld>
+</file>
+
+<file path=ppt/slides/slide26.xml><?xml version="1.0" encoding="utf-8"?>
+<p:sld xmlns:a="http://schemas.openxmlformats.org/drawingml/2006/main" xmlns:r="http://schemas.openxmlformats.org/officeDocument/2006/relationships" xmlns:p="http://schemas.openxmlformats.org/presentationml/2006/main">
+  <p:cSld>
+    <p:spTree>
+      <p:nvGrpSpPr>
+        <p:cNvPr id="1" name=""/>
+        <p:cNvGrpSpPr/>
+        <p:nvPr/>
+      </p:nvGrpSpPr>
+      <p:grpSpPr>
+        <a:xfrm>
+          <a:off x="0" y="0"/>
+          <a:ext cx="0" cy="0"/>
+          <a:chOff x="0" y="0"/>
+          <a:chExt cx="0" cy="0"/>
+        </a:xfrm>
+      </p:grpSpPr>
+      <p:sp>
+        <p:nvSpPr>
           <p:cNvPr id="8" name="内容占位符 7"/>
           <p:cNvSpPr>
             <a:spLocks noGrp="1"/>
@@ -10686,7 +10818,7 @@
 </p:sld>
 </file>
 
-<file path=ppt/slides/slide26.xml><?xml version="1.0" encoding="utf-8"?>
+<file path=ppt/slides/slide27.xml><?xml version="1.0" encoding="utf-8"?>
 <p:sld xmlns:a="http://schemas.openxmlformats.org/drawingml/2006/main" xmlns:r="http://schemas.openxmlformats.org/officeDocument/2006/relationships" xmlns:p="http://schemas.openxmlformats.org/presentationml/2006/main">
   <p:cSld>
     <p:spTree>
@@ -11962,18 +12094,10 @@
           <a:lstStyle/>
           <a:p>
             <a:r>
-              <a:rPr lang="zh-CN" altLang="zh-CN" sz="2600" dirty="0"/>
-              <a:t>人员管理模块</a:t>
+              <a:rPr lang="zh-CN" altLang="en-US" sz="2600" dirty="0" smtClean="0"/>
+              <a:t>系统整体框架</a:t>
             </a:r>
             <a:endParaRPr lang="en-US" altLang="zh-CN" sz="2600" dirty="0"/>
-          </a:p>
-          <a:p>
-            <a:pPr lvl="1"/>
-            <a:r>
-              <a:rPr lang="zh-CN" altLang="zh-CN" sz="2000" dirty="0"/>
-              <a:t>本模块包括管理教师、在职学生两种用户。实现了个人信息管理、管理教师账号生成、学生值班管理、学生考试管理、学生签到管理、学生注册请求管理等多种功能。</a:t>
-            </a:r>
-            <a:endParaRPr lang="en-US" altLang="zh-CN" sz="2000" dirty="0"/>
           </a:p>
         </p:txBody>
       </p:sp>
@@ -12009,34 +12133,140 @@
           </a:p>
         </p:txBody>
       </p:sp>
-      <p:pic>
-        <p:nvPicPr>
-          <p:cNvPr id="8" name="图片 7"/>
-          <p:cNvPicPr>
-            <a:picLocks noChangeAspect="1"/>
-          </p:cNvPicPr>
+      <p:sp>
+        <p:nvSpPr>
+          <p:cNvPr id="2" name="Rectangle 2"/>
+          <p:cNvSpPr>
+            <a:spLocks noChangeArrowheads="1"/>
+          </p:cNvSpPr>
           <p:nvPr/>
-        </p:nvPicPr>
-        <p:blipFill>
-          <a:blip r:embed="rId2"/>
-          <a:stretch>
-            <a:fillRect/>
-          </a:stretch>
-        </p:blipFill>
-        <p:spPr>
-          <a:xfrm>
-            <a:off x="1290928" y="2527041"/>
-            <a:ext cx="9610143" cy="4047930"/>
+        </p:nvSpPr>
+        <p:spPr bwMode="auto">
+          <a:xfrm>
+            <a:off x="0" y="0"/>
+            <a:ext cx="12192000" cy="0"/>
           </a:xfrm>
           <a:prstGeom prst="rect">
             <a:avLst/>
           </a:prstGeom>
-        </p:spPr>
-      </p:pic>
+          <a:noFill/>
+          <a:ln>
+            <a:noFill/>
+          </a:ln>
+          <a:effectLst/>
+          <a:extLst>
+            <a:ext uri="{909E8E84-426E-40DD-AFC4-6F175D3DCCD1}">
+              <a14:hiddenFill xmlns:a14="http://schemas.microsoft.com/office/drawing/2010/main">
+                <a:solidFill>
+                  <a:schemeClr val="accent1"/>
+                </a:solidFill>
+              </a14:hiddenFill>
+            </a:ext>
+            <a:ext uri="{91240B29-F687-4F45-9708-019B960494DF}">
+              <a14:hiddenLine xmlns:a14="http://schemas.microsoft.com/office/drawing/2010/main" w="9525">
+                <a:solidFill>
+                  <a:schemeClr val="tx1"/>
+                </a:solidFill>
+                <a:miter lim="800000"/>
+                <a:headEnd/>
+                <a:tailEnd/>
+              </a14:hiddenLine>
+            </a:ext>
+            <a:ext uri="{AF507438-7753-43E0-B8FC-AC1667EBCBE1}">
+              <a14:hiddenEffects xmlns:a14="http://schemas.microsoft.com/office/drawing/2010/main">
+                <a:effectLst>
+                  <a:outerShdw dist="35921" dir="2700000" algn="ctr" rotWithShape="0">
+                    <a:schemeClr val="bg2"/>
+                  </a:outerShdw>
+                </a:effectLst>
+              </a14:hiddenEffects>
+            </a:ext>
+          </a:extLst>
+        </p:spPr>
+        <p:txBody>
+          <a:bodyPr vert="horz" wrap="none" lIns="91440" tIns="45720" rIns="91440" bIns="45720" numCol="1" anchor="ctr" anchorCtr="0" compatLnSpc="1">
+            <a:prstTxWarp prst="textNoShape">
+              <a:avLst/>
+            </a:prstTxWarp>
+            <a:spAutoFit/>
+          </a:bodyPr>
+          <a:lstStyle/>
+          <a:p>
+            <a:endParaRPr lang="zh-CN" altLang="en-US"/>
+          </a:p>
+        </p:txBody>
+      </p:sp>
+      <p:graphicFrame>
+        <p:nvGraphicFramePr>
+          <p:cNvPr id="4" name="对象 3"/>
+          <p:cNvGraphicFramePr>
+            <a:graphicFrameLocks noChangeAspect="1"/>
+          </p:cNvGraphicFramePr>
+          <p:nvPr>
+            <p:extLst>
+              <p:ext uri="{D42A27DB-BD31-4B8C-83A1-F6EECF244321}">
+                <p14:modId xmlns:p14="http://schemas.microsoft.com/office/powerpoint/2010/main" val="3701587438"/>
+              </p:ext>
+            </p:extLst>
+          </p:nvPr>
+        </p:nvGraphicFramePr>
+        <p:xfrm>
+          <a:off x="1755227" y="1948555"/>
+          <a:ext cx="7598980" cy="4312120"/>
+        </p:xfrm>
+        <a:graphic>
+          <a:graphicData uri="http://schemas.openxmlformats.org/presentationml/2006/ole">
+            <mc:AlternateContent xmlns:mc="http://schemas.openxmlformats.org/markup-compatibility/2006">
+              <mc:Choice xmlns:v="urn:schemas-microsoft-com:vml" Requires="v">
+                <p:oleObj spid="_x0000_s1032" name="Visio" r:id="rId3" imgW="4805125" imgH="2722410" progId="Visio.Drawing.11">
+                  <p:embed/>
+                </p:oleObj>
+              </mc:Choice>
+              <mc:Fallback>
+                <p:oleObj name="Visio" r:id="rId3" imgW="4805125" imgH="2722410" progId="Visio.Drawing.11">
+                  <p:embed/>
+                  <p:pic>
+                    <p:nvPicPr>
+                      <p:cNvPr id="0" name="Object 1"/>
+                      <p:cNvPicPr>
+                        <a:picLocks noChangeAspect="1" noChangeArrowheads="1"/>
+                      </p:cNvPicPr>
+                      <p:nvPr/>
+                    </p:nvPicPr>
+                    <p:blipFill>
+                      <a:blip r:embed="rId4">
+                        <a:extLst>
+                          <a:ext uri="{28A0092B-C50C-407E-A947-70E740481C1C}">
+                            <a14:useLocalDpi xmlns:a14="http://schemas.microsoft.com/office/drawing/2010/main" val="0"/>
+                          </a:ext>
+                        </a:extLst>
+                      </a:blip>
+                      <a:srcRect/>
+                      <a:stretch>
+                        <a:fillRect/>
+                      </a:stretch>
+                    </p:blipFill>
+                    <p:spPr bwMode="auto">
+                      <a:xfrm>
+                        <a:off x="1755227" y="1948555"/>
+                        <a:ext cx="7598980" cy="4312120"/>
+                      </a:xfrm>
+                      <a:prstGeom prst="rect">
+                        <a:avLst/>
+                      </a:prstGeom>
+                      <a:noFill/>
+                    </p:spPr>
+                  </p:pic>
+                </p:oleObj>
+              </mc:Fallback>
+            </mc:AlternateContent>
+          </a:graphicData>
+        </a:graphic>
+      </p:graphicFrame>
     </p:spTree>
     <p:extLst>
       <p:ext uri="{BB962C8B-B14F-4D97-AF65-F5344CB8AC3E}">
-        <p14:creationId xmlns:p14="http://schemas.microsoft.com/office/powerpoint/2010/main" val="2614155087"/>
+        <p14:creationId xmlns:p14="http://schemas.microsoft.com/office/powerpoint/2010/main" val="867421739"/>
       </p:ext>
     </p:extLst>
   </p:cSld>
